--- a/방과 후 축구 한 판.pptx
+++ b/방과 후 축구 한 판.pptx
@@ -108,6 +108,11 @@
       </a:defRPr>
     </a:lvl9pPr>
   </p:defaultTextStyle>
+  <p:extLst>
+    <p:ext uri="{EFAFB233-063F-42B5-8137-9DF3F51BA10A}">
+      <p15:sldGuideLst xmlns:p15="http://schemas.microsoft.com/office/powerpoint/2012/main"/>
+    </p:ext>
+  </p:extLst>
 </p:presentation>
 </file>
 
@@ -267,7 +272,7 @@
           <a:p>
             <a:fld id="{AE3425CA-4B9D-4420-BB9E-C250DB30E421}" type="datetime1">
               <a:rPr lang="en-US" smtClean="0"/>
-              <a:t>12/16/2024</a:t>
+              <a:t>12/17/2024</a:t>
             </a:fld>
             <a:endParaRPr lang="en-US"/>
           </a:p>
@@ -508,7 +513,7 @@
           <a:p>
             <a:fld id="{6A14B861-3779-4E37-8DF0-E9EB3EA96210}" type="datetime1">
               <a:rPr lang="en-US" smtClean="0"/>
-              <a:t>12/16/2024</a:t>
+              <a:t>12/17/2024</a:t>
             </a:fld>
             <a:endParaRPr lang="en-US"/>
           </a:p>
@@ -718,7 +723,7 @@
           <a:p>
             <a:fld id="{53E38388-E864-4553-9937-AE9FC5E50CFC}" type="datetime1">
               <a:rPr lang="en-US" smtClean="0"/>
-              <a:t>12/16/2024</a:t>
+              <a:t>12/17/2024</a:t>
             </a:fld>
             <a:endParaRPr lang="en-US"/>
           </a:p>
@@ -917,7 +922,7 @@
           <a:p>
             <a:fld id="{62751E1E-C50D-4FD4-8B1E-ECD78340D9AB}" type="datetime1">
               <a:rPr lang="en-US" smtClean="0"/>
-              <a:t>12/16/2024</a:t>
+              <a:t>12/17/2024</a:t>
             </a:fld>
             <a:endParaRPr lang="en-US"/>
           </a:p>
@@ -1205,7 +1210,7 @@
           <a:p>
             <a:fld id="{43C83AFB-9E54-459E-8C6D-0913AC3BA5D7}" type="datetime1">
               <a:rPr lang="en-US" smtClean="0"/>
-              <a:t>12/16/2024</a:t>
+              <a:t>12/17/2024</a:t>
             </a:fld>
             <a:endParaRPr lang="en-US"/>
           </a:p>
@@ -1521,7 +1526,7 @@
           <a:p>
             <a:fld id="{F10144B6-0CA7-46BA-A00B-1E68E5C3ED0C}" type="datetime1">
               <a:rPr lang="en-US" smtClean="0"/>
-              <a:t>12/16/2024</a:t>
+              <a:t>12/17/2024</a:t>
             </a:fld>
             <a:endParaRPr lang="en-US"/>
           </a:p>
@@ -2053,7 +2058,7 @@
           <a:p>
             <a:fld id="{0051F549-537C-41EC-B9CC-5B6A9AC2A6A7}" type="datetime1">
               <a:rPr lang="en-US" smtClean="0"/>
-              <a:t>12/16/2024</a:t>
+              <a:t>12/17/2024</a:t>
             </a:fld>
             <a:endParaRPr lang="en-US"/>
           </a:p>
@@ -2280,7 +2285,7 @@
           <a:p>
             <a:fld id="{952F8D56-3D0E-48B8-8218-1F3A06A96C62}" type="datetime1">
               <a:rPr lang="en-US" smtClean="0"/>
-              <a:t>12/16/2024</a:t>
+              <a:t>12/17/2024</a:t>
             </a:fld>
             <a:endParaRPr lang="en-US"/>
           </a:p>
@@ -2393,7 +2398,7 @@
           <a:p>
             <a:fld id="{E8EC309E-27D4-401F-A74A-DEA16C7B51DC}" type="datetime1">
               <a:rPr lang="en-US" smtClean="0"/>
-              <a:t>12/16/2024</a:t>
+              <a:t>12/17/2024</a:t>
             </a:fld>
             <a:endParaRPr lang="en-US"/>
           </a:p>
@@ -2719,7 +2724,7 @@
           <a:p>
             <a:fld id="{6DEA2B81-2BC3-42D7-B67D-05C685AA80AD}" type="datetime1">
               <a:rPr lang="en-US" smtClean="0"/>
-              <a:t>12/16/2024</a:t>
+              <a:t>12/17/2024</a:t>
             </a:fld>
             <a:endParaRPr lang="en-US"/>
           </a:p>
@@ -3037,7 +3042,7 @@
           <a:p>
             <a:fld id="{F0DB8F2B-E487-4905-B553-FB649F2B6F23}" type="datetime1">
               <a:rPr lang="en-US" smtClean="0"/>
-              <a:t>12/16/2024</a:t>
+              <a:t>12/17/2024</a:t>
             </a:fld>
             <a:endParaRPr lang="en-US"/>
           </a:p>
@@ -3276,7 +3281,7 @@
           <a:p>
             <a:fld id="{6EF7C3A7-D6F6-4D38-A7C3-B72967BB81A6}" type="datetime1">
               <a:rPr lang="en-US" smtClean="0"/>
-              <a:t>12/16/2024</a:t>
+              <a:t>12/17/2024</a:t>
             </a:fld>
             <a:endParaRPr lang="en-US"/>
           </a:p>
@@ -3965,12 +3970,318 @@
           </a:p>
         </p:txBody>
       </p:sp>
+      <p:sp>
+        <p:nvSpPr>
+          <p:cNvPr id="21" name="Main Frame">
+            <a:extLst>
+              <a:ext uri="{FF2B5EF4-FFF2-40B4-BE49-F238E27FC236}">
+                <a16:creationId xmlns:a16="http://schemas.microsoft.com/office/drawing/2014/main" id="{9502469D-C562-48E3-ABA2-3CFA55C52684}"/>
+              </a:ext>
+              <a:ext uri="{C183D7F6-B498-43B3-948B-1728B52AA6E4}">
+                <adec:decorative xmlns:adec="http://schemas.microsoft.com/office/drawing/2017/decorative" val="1"/>
+              </a:ext>
+            </a:extLst>
+          </p:cNvPr>
+          <p:cNvSpPr>
+            <a:spLocks noGrp="1" noRot="1" noChangeAspect="1" noMove="1" noResize="1" noEditPoints="1" noAdjustHandles="1" noChangeArrowheads="1" noChangeShapeType="1" noTextEdit="1"/>
+          </p:cNvSpPr>
+          <p:nvPr>
+            <p:extLst>
+              <p:ext uri="{386F3935-93C4-4BCD-93E2-E3B085C9AB24}">
+                <p16:designElem xmlns:p16="http://schemas.microsoft.com/office/powerpoint/2015/main" val="1"/>
+              </p:ext>
+            </p:extLst>
+          </p:nvPr>
+        </p:nvSpPr>
+        <p:spPr>
+          <a:xfrm>
+            <a:off x="367744" y="334928"/>
+            <a:ext cx="11456511" cy="6188146"/>
+          </a:xfrm>
+          <a:prstGeom prst="rect">
+            <a:avLst/>
+          </a:prstGeom>
+          <a:noFill/>
+          <a:ln>
+            <a:solidFill>
+              <a:srgbClr val="FFFFFF"/>
+            </a:solidFill>
+          </a:ln>
+        </p:spPr>
+        <p:style>
+          <a:lnRef idx="2">
+            <a:schemeClr val="accent1">
+              <a:shade val="50000"/>
+            </a:schemeClr>
+          </a:lnRef>
+          <a:fillRef idx="1">
+            <a:schemeClr val="accent1"/>
+          </a:fillRef>
+          <a:effectRef idx="0">
+            <a:schemeClr val="accent1"/>
+          </a:effectRef>
+          <a:fontRef idx="minor">
+            <a:schemeClr val="lt1"/>
+          </a:fontRef>
+        </p:style>
+        <p:txBody>
+          <a:bodyPr rtlCol="0" anchor="ctr"/>
+          <a:lstStyle/>
+          <a:p>
+            <a:pPr algn="ctr"/>
+            <a:endParaRPr lang="en-US"/>
+          </a:p>
+        </p:txBody>
+      </p:sp>
+      <p:sp>
+        <p:nvSpPr>
+          <p:cNvPr id="2" name="제목 1">
+            <a:extLst>
+              <a:ext uri="{FF2B5EF4-FFF2-40B4-BE49-F238E27FC236}">
+                <a16:creationId xmlns:a16="http://schemas.microsoft.com/office/drawing/2014/main" id="{62293D44-6F28-FC52-AFB5-C240E9BDB3F0}"/>
+              </a:ext>
+            </a:extLst>
+          </p:cNvPr>
+          <p:cNvSpPr>
+            <a:spLocks noGrp="1"/>
+          </p:cNvSpPr>
+          <p:nvPr>
+            <p:ph type="ctrTitle"/>
+          </p:nvPr>
+        </p:nvSpPr>
+        <p:spPr>
+          <a:xfrm>
+            <a:off x="4208499" y="663959"/>
+            <a:ext cx="6088798" cy="5048548"/>
+          </a:xfrm>
+        </p:spPr>
+        <p:txBody>
+          <a:bodyPr anchor="t">
+            <a:normAutofit/>
+          </a:bodyPr>
+          <a:lstStyle/>
+          <a:p>
+            <a:pPr algn="r"/>
+            <a:r>
+              <a:rPr lang="ko-KR" altLang="en-US" dirty="0">
+                <a:solidFill>
+                  <a:srgbClr val="FFFFFF"/>
+                </a:solidFill>
+              </a:rPr>
+              <a:t>방과 후 축구 한 판</a:t>
+            </a:r>
+          </a:p>
+        </p:txBody>
+      </p:sp>
+      <p:sp>
+        <p:nvSpPr>
+          <p:cNvPr id="3" name="부제목 2">
+            <a:extLst>
+              <a:ext uri="{FF2B5EF4-FFF2-40B4-BE49-F238E27FC236}">
+                <a16:creationId xmlns:a16="http://schemas.microsoft.com/office/drawing/2014/main" id="{90215638-5D7C-8B80-2992-2F9B3A81A3BC}"/>
+              </a:ext>
+            </a:extLst>
+          </p:cNvPr>
+          <p:cNvSpPr>
+            <a:spLocks noGrp="1"/>
+          </p:cNvSpPr>
+          <p:nvPr>
+            <p:ph type="subTitle" idx="1"/>
+          </p:nvPr>
+        </p:nvSpPr>
+        <p:spPr>
+          <a:xfrm>
+            <a:off x="841249" y="663959"/>
+            <a:ext cx="2656820" cy="5048549"/>
+          </a:xfrm>
+        </p:spPr>
+        <p:txBody>
+          <a:bodyPr anchor="b">
+            <a:normAutofit/>
+          </a:bodyPr>
+          <a:lstStyle/>
+          <a:p>
+            <a:r>
+              <a:rPr lang="en-US" altLang="ko-KR" dirty="0">
+                <a:solidFill>
+                  <a:srgbClr val="FFFFFF"/>
+                </a:solidFill>
+              </a:rPr>
+              <a:t>2021182040 </a:t>
+            </a:r>
+            <a:r>
+              <a:rPr lang="ko-KR" altLang="en-US" dirty="0">
+                <a:solidFill>
+                  <a:srgbClr val="FFFFFF"/>
+                </a:solidFill>
+              </a:rPr>
+              <a:t>최재헌</a:t>
+            </a:r>
+          </a:p>
+        </p:txBody>
+      </p:sp>
+      <p:cxnSp>
+        <p:nvCxnSpPr>
+          <p:cNvPr id="15" name="Main Horizontal Connector">
+            <a:extLst>
+              <a:ext uri="{FF2B5EF4-FFF2-40B4-BE49-F238E27FC236}">
+                <a16:creationId xmlns:a16="http://schemas.microsoft.com/office/drawing/2014/main" id="{4D594499-F983-4364-8ABC-5BCDC2E906BF}"/>
+              </a:ext>
+              <a:ext uri="{C183D7F6-B498-43B3-948B-1728B52AA6E4}">
+                <adec:decorative xmlns:adec="http://schemas.microsoft.com/office/drawing/2017/decorative" val="1"/>
+              </a:ext>
+            </a:extLst>
+          </p:cNvPr>
+          <p:cNvCxnSpPr>
+            <a:cxnSpLocks noGrp="1" noRot="1" noChangeAspect="1" noMove="1" noResize="1" noEditPoints="1" noAdjustHandles="1" noChangeArrowheads="1" noChangeShapeType="1"/>
+          </p:cNvCxnSpPr>
+          <p:nvPr>
+            <p:extLst>
+              <p:ext uri="{386F3935-93C4-4BCD-93E2-E3B085C9AB24}">
+                <p16:designElem xmlns:p16="http://schemas.microsoft.com/office/powerpoint/2015/main" val="1"/>
+              </p:ext>
+            </p:extLst>
+          </p:nvPr>
+        </p:nvCxnSpPr>
+        <p:spPr>
+          <a:xfrm>
+            <a:off x="373060" y="6047437"/>
+            <a:ext cx="10375638" cy="0"/>
+          </a:xfrm>
+          <a:prstGeom prst="line">
+            <a:avLst/>
+          </a:prstGeom>
+          <a:ln w="12700">
+            <a:solidFill>
+              <a:srgbClr val="FFFFFF"/>
+            </a:solidFill>
+          </a:ln>
+        </p:spPr>
+        <p:style>
+          <a:lnRef idx="1">
+            <a:schemeClr val="accent1"/>
+          </a:lnRef>
+          <a:fillRef idx="0">
+            <a:schemeClr val="accent1"/>
+          </a:fillRef>
+          <a:effectRef idx="0">
+            <a:schemeClr val="accent1"/>
+          </a:effectRef>
+          <a:fontRef idx="minor">
+            <a:schemeClr val="tx1"/>
+          </a:fontRef>
+        </p:style>
+      </p:cxnSp>
+      <p:cxnSp>
+        <p:nvCxnSpPr>
+          <p:cNvPr id="17" name="Straight Connector 16">
+            <a:extLst>
+              <a:ext uri="{FF2B5EF4-FFF2-40B4-BE49-F238E27FC236}">
+                <a16:creationId xmlns:a16="http://schemas.microsoft.com/office/drawing/2014/main" id="{962EC698-CCE0-4BBF-9C26-491E48547AC3}"/>
+              </a:ext>
+              <a:ext uri="{C183D7F6-B498-43B3-948B-1728B52AA6E4}">
+                <adec:decorative xmlns:adec="http://schemas.microsoft.com/office/drawing/2017/decorative" val="1"/>
+              </a:ext>
+            </a:extLst>
+          </p:cNvPr>
+          <p:cNvCxnSpPr>
+            <a:cxnSpLocks noGrp="1" noRot="1" noChangeAspect="1" noMove="1" noResize="1" noEditPoints="1" noAdjustHandles="1" noChangeArrowheads="1" noChangeShapeType="1"/>
+          </p:cNvCxnSpPr>
+          <p:nvPr>
+            <p:extLst>
+              <p:ext uri="{386F3935-93C4-4BCD-93E2-E3B085C9AB24}">
+                <p16:designElem xmlns:p16="http://schemas.microsoft.com/office/powerpoint/2015/main" val="1"/>
+              </p:ext>
+            </p:extLst>
+          </p:nvPr>
+        </p:nvCxnSpPr>
+        <p:spPr>
+          <a:xfrm flipV="1">
+            <a:off x="3848100" y="334928"/>
+            <a:ext cx="0" cy="5712509"/>
+          </a:xfrm>
+          <a:prstGeom prst="line">
+            <a:avLst/>
+          </a:prstGeom>
+          <a:ln w="12700">
+            <a:solidFill>
+              <a:srgbClr val="FFFFFF"/>
+            </a:solidFill>
+          </a:ln>
+        </p:spPr>
+        <p:style>
+          <a:lnRef idx="1">
+            <a:schemeClr val="accent1"/>
+          </a:lnRef>
+          <a:fillRef idx="0">
+            <a:schemeClr val="accent1"/>
+          </a:fillRef>
+          <a:effectRef idx="0">
+            <a:schemeClr val="accent1"/>
+          </a:effectRef>
+          <a:fontRef idx="minor">
+            <a:schemeClr val="tx1"/>
+          </a:fontRef>
+        </p:style>
+      </p:cxnSp>
+      <p:cxnSp>
+        <p:nvCxnSpPr>
+          <p:cNvPr id="19" name="Main Vertical Connector">
+            <a:extLst>
+              <a:ext uri="{FF2B5EF4-FFF2-40B4-BE49-F238E27FC236}">
+                <a16:creationId xmlns:a16="http://schemas.microsoft.com/office/drawing/2014/main" id="{6D4C177C-581F-4CC8-A686-0B6D25DC6A70}"/>
+              </a:ext>
+              <a:ext uri="{C183D7F6-B498-43B3-948B-1728B52AA6E4}">
+                <adec:decorative xmlns:adec="http://schemas.microsoft.com/office/drawing/2017/decorative" val="1"/>
+              </a:ext>
+            </a:extLst>
+          </p:cNvPr>
+          <p:cNvCxnSpPr>
+            <a:cxnSpLocks noGrp="1" noRot="1" noChangeAspect="1" noMove="1" noResize="1" noEditPoints="1" noAdjustHandles="1" noChangeArrowheads="1" noChangeShapeType="1"/>
+          </p:cNvCxnSpPr>
+          <p:nvPr>
+            <p:extLst>
+              <p:ext uri="{386F3935-93C4-4BCD-93E2-E3B085C9AB24}">
+                <p16:designElem xmlns:p16="http://schemas.microsoft.com/office/powerpoint/2015/main" val="1"/>
+              </p:ext>
+            </p:extLst>
+          </p:nvPr>
+        </p:nvCxnSpPr>
+        <p:spPr>
+          <a:xfrm>
+            <a:off x="10748698" y="334928"/>
+            <a:ext cx="0" cy="6188146"/>
+          </a:xfrm>
+          <a:prstGeom prst="line">
+            <a:avLst/>
+          </a:prstGeom>
+          <a:ln w="12700">
+            <a:solidFill>
+              <a:srgbClr val="FFFFFF"/>
+            </a:solidFill>
+          </a:ln>
+        </p:spPr>
+        <p:style>
+          <a:lnRef idx="1">
+            <a:schemeClr val="accent1"/>
+          </a:lnRef>
+          <a:fillRef idx="0">
+            <a:schemeClr val="accent1"/>
+          </a:fillRef>
+          <a:effectRef idx="0">
+            <a:schemeClr val="accent1"/>
+          </a:effectRef>
+          <a:fontRef idx="minor">
+            <a:schemeClr val="tx1"/>
+          </a:fontRef>
+        </p:style>
+      </p:cxnSp>
       <p:pic>
         <p:nvPicPr>
-          <p:cNvPr id="20" name="Picture 3" descr="녹색 무늬의 나뭇잎">
-            <a:extLst>
-              <a:ext uri="{FF2B5EF4-FFF2-40B4-BE49-F238E27FC236}">
-                <a16:creationId xmlns:a16="http://schemas.microsoft.com/office/drawing/2014/main" id="{1A145FC0-81C2-B0A8-D15E-32ED4FCCE2BF}"/>
+          <p:cNvPr id="4" name="Picture 29" descr="풋볼 선수">
+            <a:extLst>
+              <a:ext uri="{FF2B5EF4-FFF2-40B4-BE49-F238E27FC236}">
+                <a16:creationId xmlns:a16="http://schemas.microsoft.com/office/drawing/2014/main" id="{9DE8F7EE-C3B0-FAB8-0346-23E3CD711A74}"/>
               </a:ext>
             </a:extLst>
           </p:cNvPr>
@@ -3983,12 +4294,12 @@
           <a:blip r:embed="rId2">
             <a:alphaModFix amt="40000"/>
           </a:blip>
-          <a:srcRect t="7218" r="-1" b="8490"/>
+          <a:srcRect t="5544" r="-1" b="9848"/>
           <a:stretch/>
         </p:blipFill>
         <p:spPr>
           <a:xfrm>
-            <a:off x="20" y="10"/>
+            <a:off x="3068" y="0"/>
             <a:ext cx="12188932" cy="6857990"/>
           </a:xfrm>
           <a:prstGeom prst="rect">
@@ -3996,312 +4307,6 @@
           </a:prstGeom>
         </p:spPr>
       </p:pic>
-      <p:sp>
-        <p:nvSpPr>
-          <p:cNvPr id="21" name="Main Frame">
-            <a:extLst>
-              <a:ext uri="{FF2B5EF4-FFF2-40B4-BE49-F238E27FC236}">
-                <a16:creationId xmlns:a16="http://schemas.microsoft.com/office/drawing/2014/main" id="{9502469D-C562-48E3-ABA2-3CFA55C52684}"/>
-              </a:ext>
-              <a:ext uri="{C183D7F6-B498-43B3-948B-1728B52AA6E4}">
-                <adec:decorative xmlns:adec="http://schemas.microsoft.com/office/drawing/2017/decorative" val="1"/>
-              </a:ext>
-            </a:extLst>
-          </p:cNvPr>
-          <p:cNvSpPr>
-            <a:spLocks noGrp="1" noRot="1" noChangeAspect="1" noMove="1" noResize="1" noEditPoints="1" noAdjustHandles="1" noChangeArrowheads="1" noChangeShapeType="1" noTextEdit="1"/>
-          </p:cNvSpPr>
-          <p:nvPr>
-            <p:extLst>
-              <p:ext uri="{386F3935-93C4-4BCD-93E2-E3B085C9AB24}">
-                <p16:designElem xmlns:p16="http://schemas.microsoft.com/office/powerpoint/2015/main" val="1"/>
-              </p:ext>
-            </p:extLst>
-          </p:nvPr>
-        </p:nvSpPr>
-        <p:spPr>
-          <a:xfrm>
-            <a:off x="367744" y="334928"/>
-            <a:ext cx="11456511" cy="6188146"/>
-          </a:xfrm>
-          <a:prstGeom prst="rect">
-            <a:avLst/>
-          </a:prstGeom>
-          <a:noFill/>
-          <a:ln>
-            <a:solidFill>
-              <a:srgbClr val="FFFFFF"/>
-            </a:solidFill>
-          </a:ln>
-        </p:spPr>
-        <p:style>
-          <a:lnRef idx="2">
-            <a:schemeClr val="accent1">
-              <a:shade val="50000"/>
-            </a:schemeClr>
-          </a:lnRef>
-          <a:fillRef idx="1">
-            <a:schemeClr val="accent1"/>
-          </a:fillRef>
-          <a:effectRef idx="0">
-            <a:schemeClr val="accent1"/>
-          </a:effectRef>
-          <a:fontRef idx="minor">
-            <a:schemeClr val="lt1"/>
-          </a:fontRef>
-        </p:style>
-        <p:txBody>
-          <a:bodyPr rtlCol="0" anchor="ctr"/>
-          <a:lstStyle/>
-          <a:p>
-            <a:pPr algn="ctr"/>
-            <a:endParaRPr lang="en-US"/>
-          </a:p>
-        </p:txBody>
-      </p:sp>
-      <p:sp>
-        <p:nvSpPr>
-          <p:cNvPr id="2" name="제목 1">
-            <a:extLst>
-              <a:ext uri="{FF2B5EF4-FFF2-40B4-BE49-F238E27FC236}">
-                <a16:creationId xmlns:a16="http://schemas.microsoft.com/office/drawing/2014/main" id="{62293D44-6F28-FC52-AFB5-C240E9BDB3F0}"/>
-              </a:ext>
-            </a:extLst>
-          </p:cNvPr>
-          <p:cNvSpPr>
-            <a:spLocks noGrp="1"/>
-          </p:cNvSpPr>
-          <p:nvPr>
-            <p:ph type="ctrTitle"/>
-          </p:nvPr>
-        </p:nvSpPr>
-        <p:spPr>
-          <a:xfrm>
-            <a:off x="4208499" y="663959"/>
-            <a:ext cx="6088798" cy="5048548"/>
-          </a:xfrm>
-        </p:spPr>
-        <p:txBody>
-          <a:bodyPr anchor="t">
-            <a:normAutofit/>
-          </a:bodyPr>
-          <a:lstStyle/>
-          <a:p>
-            <a:pPr algn="r"/>
-            <a:r>
-              <a:rPr lang="ko-KR" altLang="en-US" dirty="0">
-                <a:solidFill>
-                  <a:srgbClr val="FFFFFF"/>
-                </a:solidFill>
-              </a:rPr>
-              <a:t>방과 후 축구 한 판</a:t>
-            </a:r>
-          </a:p>
-        </p:txBody>
-      </p:sp>
-      <p:sp>
-        <p:nvSpPr>
-          <p:cNvPr id="3" name="부제목 2">
-            <a:extLst>
-              <a:ext uri="{FF2B5EF4-FFF2-40B4-BE49-F238E27FC236}">
-                <a16:creationId xmlns:a16="http://schemas.microsoft.com/office/drawing/2014/main" id="{90215638-5D7C-8B80-2992-2F9B3A81A3BC}"/>
-              </a:ext>
-            </a:extLst>
-          </p:cNvPr>
-          <p:cNvSpPr>
-            <a:spLocks noGrp="1"/>
-          </p:cNvSpPr>
-          <p:nvPr>
-            <p:ph type="subTitle" idx="1"/>
-          </p:nvPr>
-        </p:nvSpPr>
-        <p:spPr>
-          <a:xfrm>
-            <a:off x="841249" y="663959"/>
-            <a:ext cx="2656820" cy="5048549"/>
-          </a:xfrm>
-        </p:spPr>
-        <p:txBody>
-          <a:bodyPr anchor="b">
-            <a:normAutofit/>
-          </a:bodyPr>
-          <a:lstStyle/>
-          <a:p>
-            <a:r>
-              <a:rPr lang="en-US" altLang="ko-KR" dirty="0">
-                <a:solidFill>
-                  <a:srgbClr val="FFFFFF"/>
-                </a:solidFill>
-              </a:rPr>
-              <a:t>2021182040 </a:t>
-            </a:r>
-            <a:r>
-              <a:rPr lang="ko-KR" altLang="en-US" dirty="0">
-                <a:solidFill>
-                  <a:srgbClr val="FFFFFF"/>
-                </a:solidFill>
-              </a:rPr>
-              <a:t>최재헌</a:t>
-            </a:r>
-          </a:p>
-        </p:txBody>
-      </p:sp>
-      <p:cxnSp>
-        <p:nvCxnSpPr>
-          <p:cNvPr id="15" name="Main Horizontal Connector">
-            <a:extLst>
-              <a:ext uri="{FF2B5EF4-FFF2-40B4-BE49-F238E27FC236}">
-                <a16:creationId xmlns:a16="http://schemas.microsoft.com/office/drawing/2014/main" id="{4D594499-F983-4364-8ABC-5BCDC2E906BF}"/>
-              </a:ext>
-              <a:ext uri="{C183D7F6-B498-43B3-948B-1728B52AA6E4}">
-                <adec:decorative xmlns:adec="http://schemas.microsoft.com/office/drawing/2017/decorative" val="1"/>
-              </a:ext>
-            </a:extLst>
-          </p:cNvPr>
-          <p:cNvCxnSpPr>
-            <a:cxnSpLocks noGrp="1" noRot="1" noChangeAspect="1" noMove="1" noResize="1" noEditPoints="1" noAdjustHandles="1" noChangeArrowheads="1" noChangeShapeType="1"/>
-          </p:cNvCxnSpPr>
-          <p:nvPr>
-            <p:extLst>
-              <p:ext uri="{386F3935-93C4-4BCD-93E2-E3B085C9AB24}">
-                <p16:designElem xmlns:p16="http://schemas.microsoft.com/office/powerpoint/2015/main" val="1"/>
-              </p:ext>
-            </p:extLst>
-          </p:nvPr>
-        </p:nvCxnSpPr>
-        <p:spPr>
-          <a:xfrm>
-            <a:off x="373060" y="6047437"/>
-            <a:ext cx="10375638" cy="0"/>
-          </a:xfrm>
-          <a:prstGeom prst="line">
-            <a:avLst/>
-          </a:prstGeom>
-          <a:ln w="12700">
-            <a:solidFill>
-              <a:srgbClr val="FFFFFF"/>
-            </a:solidFill>
-          </a:ln>
-        </p:spPr>
-        <p:style>
-          <a:lnRef idx="1">
-            <a:schemeClr val="accent1"/>
-          </a:lnRef>
-          <a:fillRef idx="0">
-            <a:schemeClr val="accent1"/>
-          </a:fillRef>
-          <a:effectRef idx="0">
-            <a:schemeClr val="accent1"/>
-          </a:effectRef>
-          <a:fontRef idx="minor">
-            <a:schemeClr val="tx1"/>
-          </a:fontRef>
-        </p:style>
-      </p:cxnSp>
-      <p:cxnSp>
-        <p:nvCxnSpPr>
-          <p:cNvPr id="17" name="Straight Connector 16">
-            <a:extLst>
-              <a:ext uri="{FF2B5EF4-FFF2-40B4-BE49-F238E27FC236}">
-                <a16:creationId xmlns:a16="http://schemas.microsoft.com/office/drawing/2014/main" id="{962EC698-CCE0-4BBF-9C26-491E48547AC3}"/>
-              </a:ext>
-              <a:ext uri="{C183D7F6-B498-43B3-948B-1728B52AA6E4}">
-                <adec:decorative xmlns:adec="http://schemas.microsoft.com/office/drawing/2017/decorative" val="1"/>
-              </a:ext>
-            </a:extLst>
-          </p:cNvPr>
-          <p:cNvCxnSpPr>
-            <a:cxnSpLocks noGrp="1" noRot="1" noChangeAspect="1" noMove="1" noResize="1" noEditPoints="1" noAdjustHandles="1" noChangeArrowheads="1" noChangeShapeType="1"/>
-          </p:cNvCxnSpPr>
-          <p:nvPr>
-            <p:extLst>
-              <p:ext uri="{386F3935-93C4-4BCD-93E2-E3B085C9AB24}">
-                <p16:designElem xmlns:p16="http://schemas.microsoft.com/office/powerpoint/2015/main" val="1"/>
-              </p:ext>
-            </p:extLst>
-          </p:nvPr>
-        </p:nvCxnSpPr>
-        <p:spPr>
-          <a:xfrm flipV="1">
-            <a:off x="3848100" y="334928"/>
-            <a:ext cx="0" cy="5712509"/>
-          </a:xfrm>
-          <a:prstGeom prst="line">
-            <a:avLst/>
-          </a:prstGeom>
-          <a:ln w="12700">
-            <a:solidFill>
-              <a:srgbClr val="FFFFFF"/>
-            </a:solidFill>
-          </a:ln>
-        </p:spPr>
-        <p:style>
-          <a:lnRef idx="1">
-            <a:schemeClr val="accent1"/>
-          </a:lnRef>
-          <a:fillRef idx="0">
-            <a:schemeClr val="accent1"/>
-          </a:fillRef>
-          <a:effectRef idx="0">
-            <a:schemeClr val="accent1"/>
-          </a:effectRef>
-          <a:fontRef idx="minor">
-            <a:schemeClr val="tx1"/>
-          </a:fontRef>
-        </p:style>
-      </p:cxnSp>
-      <p:cxnSp>
-        <p:nvCxnSpPr>
-          <p:cNvPr id="19" name="Main Vertical Connector">
-            <a:extLst>
-              <a:ext uri="{FF2B5EF4-FFF2-40B4-BE49-F238E27FC236}">
-                <a16:creationId xmlns:a16="http://schemas.microsoft.com/office/drawing/2014/main" id="{6D4C177C-581F-4CC8-A686-0B6D25DC6A70}"/>
-              </a:ext>
-              <a:ext uri="{C183D7F6-B498-43B3-948B-1728B52AA6E4}">
-                <adec:decorative xmlns:adec="http://schemas.microsoft.com/office/drawing/2017/decorative" val="1"/>
-              </a:ext>
-            </a:extLst>
-          </p:cNvPr>
-          <p:cNvCxnSpPr>
-            <a:cxnSpLocks noGrp="1" noRot="1" noChangeAspect="1" noMove="1" noResize="1" noEditPoints="1" noAdjustHandles="1" noChangeArrowheads="1" noChangeShapeType="1"/>
-          </p:cNvCxnSpPr>
-          <p:nvPr>
-            <p:extLst>
-              <p:ext uri="{386F3935-93C4-4BCD-93E2-E3B085C9AB24}">
-                <p16:designElem xmlns:p16="http://schemas.microsoft.com/office/powerpoint/2015/main" val="1"/>
-              </p:ext>
-            </p:extLst>
-          </p:nvPr>
-        </p:nvCxnSpPr>
-        <p:spPr>
-          <a:xfrm>
-            <a:off x="10748698" y="334928"/>
-            <a:ext cx="0" cy="6188146"/>
-          </a:xfrm>
-          <a:prstGeom prst="line">
-            <a:avLst/>
-          </a:prstGeom>
-          <a:ln w="12700">
-            <a:solidFill>
-              <a:srgbClr val="FFFFFF"/>
-            </a:solidFill>
-          </a:ln>
-        </p:spPr>
-        <p:style>
-          <a:lnRef idx="1">
-            <a:schemeClr val="accent1"/>
-          </a:lnRef>
-          <a:fillRef idx="0">
-            <a:schemeClr val="accent1"/>
-          </a:fillRef>
-          <a:effectRef idx="0">
-            <a:schemeClr val="accent1"/>
-          </a:effectRef>
-          <a:fontRef idx="minor">
-            <a:schemeClr val="tx1"/>
-          </a:fontRef>
-        </p:style>
-      </p:cxnSp>
     </p:spTree>
     <p:extLst>
       <p:ext uri="{BB962C8B-B14F-4D97-AF65-F5344CB8AC3E}">
@@ -4682,44 +4687,6 @@
           </a:p>
         </p:txBody>
       </p:sp>
-      <p:pic>
-        <p:nvPicPr>
-          <p:cNvPr id="5" name="내용 개체 틀 4" descr="잔디, 그린, 스크린샷, 골프이(가) 표시된 사진&#10;&#10;자동 생성된 설명">
-            <a:extLst>
-              <a:ext uri="{FF2B5EF4-FFF2-40B4-BE49-F238E27FC236}">
-                <a16:creationId xmlns:a16="http://schemas.microsoft.com/office/drawing/2014/main" id="{B47F9E22-0033-9794-19EA-7DB9A21B1CB5}"/>
-              </a:ext>
-            </a:extLst>
-          </p:cNvPr>
-          <p:cNvPicPr>
-            <a:picLocks noGrp="1" noChangeAspect="1"/>
-          </p:cNvPicPr>
-          <p:nvPr>
-            <p:ph idx="1"/>
-          </p:nvPr>
-        </p:nvPicPr>
-        <p:blipFill>
-          <a:blip r:embed="rId2">
-            <a:alphaModFix amt="40000"/>
-            <a:extLst>
-              <a:ext uri="{28A0092B-C50C-407E-A947-70E740481C1C}">
-                <a14:useLocalDpi xmlns:a14="http://schemas.microsoft.com/office/drawing/2010/main" val="0"/>
-              </a:ext>
-            </a:extLst>
-          </a:blip>
-          <a:srcRect r="-1" b="25477"/>
-          <a:stretch/>
-        </p:blipFill>
-        <p:spPr>
-          <a:xfrm>
-            <a:off x="20" y="10"/>
-            <a:ext cx="12188932" cy="6857990"/>
-          </a:xfrm>
-          <a:prstGeom prst="rect">
-            <a:avLst/>
-          </a:prstGeom>
-        </p:spPr>
-      </p:pic>
       <p:sp>
         <p:nvSpPr>
           <p:cNvPr id="22" name="Main Frame">
@@ -5039,6 +5006,37 @@
           </a:p>
         </p:txBody>
       </p:sp>
+      <p:pic>
+        <p:nvPicPr>
+          <p:cNvPr id="8" name="Picture 29" descr="풋볼 선수">
+            <a:extLst>
+              <a:ext uri="{FF2B5EF4-FFF2-40B4-BE49-F238E27FC236}">
+                <a16:creationId xmlns:a16="http://schemas.microsoft.com/office/drawing/2014/main" id="{F7D2644C-B38A-260B-2418-9A7327BAC709}"/>
+              </a:ext>
+            </a:extLst>
+          </p:cNvPr>
+          <p:cNvPicPr>
+            <a:picLocks noChangeAspect="1"/>
+          </p:cNvPicPr>
+          <p:nvPr/>
+        </p:nvPicPr>
+        <p:blipFill>
+          <a:blip r:embed="rId2">
+            <a:alphaModFix amt="40000"/>
+          </a:blip>
+          <a:srcRect t="5544" r="-1" b="9848"/>
+          <a:stretch/>
+        </p:blipFill>
+        <p:spPr>
+          <a:xfrm>
+            <a:off x="20" y="10"/>
+            <a:ext cx="12188932" cy="6857990"/>
+          </a:xfrm>
+          <a:prstGeom prst="rect">
+            <a:avLst/>
+          </a:prstGeom>
+        </p:spPr>
+      </p:pic>
     </p:spTree>
     <p:extLst>
       <p:ext uri="{BB962C8B-B14F-4D97-AF65-F5344CB8AC3E}">
@@ -5079,7 +5077,7 @@
       </p:grpSpPr>
       <p:sp useBgFill="1">
         <p:nvSpPr>
-          <p:cNvPr id="9" name="Background Fill">
+          <p:cNvPr id="24" name="Background Fill">
             <a:extLst>
               <a:ext uri="{FF2B5EF4-FFF2-40B4-BE49-F238E27FC236}">
                 <a16:creationId xmlns:a16="http://schemas.microsoft.com/office/drawing/2014/main" id="{B937640E-EF7A-4A6C-A950-D12B7D5C923E}"/>
@@ -5139,7 +5137,7 @@
       </p:sp>
       <p:sp>
         <p:nvSpPr>
-          <p:cNvPr id="11" name="Black">
+          <p:cNvPr id="26" name="Black">
             <a:extLst>
               <a:ext uri="{FF2B5EF4-FFF2-40B4-BE49-F238E27FC236}">
                 <a16:creationId xmlns:a16="http://schemas.microsoft.com/office/drawing/2014/main" id="{06F5F482-D021-433B-851C-B07B40E9B78E}"/>
@@ -5200,45 +5198,9 @@
           </a:p>
         </p:txBody>
       </p:sp>
-      <p:pic>
-        <p:nvPicPr>
-          <p:cNvPr id="4" name="내용 개체 틀 4" descr="잔디, 그린, 스크린샷, 골프이(가) 표시된 사진&#10;&#10;자동 생성된 설명">
-            <a:extLst>
-              <a:ext uri="{FF2B5EF4-FFF2-40B4-BE49-F238E27FC236}">
-                <a16:creationId xmlns:a16="http://schemas.microsoft.com/office/drawing/2014/main" id="{A769AC68-63DC-EA21-F843-AA4BF0884053}"/>
-              </a:ext>
-            </a:extLst>
-          </p:cNvPr>
-          <p:cNvPicPr>
-            <a:picLocks noChangeAspect="1"/>
-          </p:cNvPicPr>
-          <p:nvPr/>
-        </p:nvPicPr>
-        <p:blipFill>
-          <a:blip r:embed="rId2">
-            <a:alphaModFix amt="40000"/>
-            <a:extLst>
-              <a:ext uri="{28A0092B-C50C-407E-A947-70E740481C1C}">
-                <a14:useLocalDpi xmlns:a14="http://schemas.microsoft.com/office/drawing/2010/main" val="0"/>
-              </a:ext>
-            </a:extLst>
-          </a:blip>
-          <a:srcRect r="-1" b="25477"/>
-          <a:stretch/>
-        </p:blipFill>
-        <p:spPr>
-          <a:xfrm>
-            <a:off x="20" y="10"/>
-            <a:ext cx="12188932" cy="6857990"/>
-          </a:xfrm>
-          <a:prstGeom prst="rect">
-            <a:avLst/>
-          </a:prstGeom>
-        </p:spPr>
-      </p:pic>
-      <p:sp>
-        <p:nvSpPr>
-          <p:cNvPr id="13" name="Main Frame">
+      <p:sp>
+        <p:nvSpPr>
+          <p:cNvPr id="28" name="Main Frame">
             <a:extLst>
               <a:ext uri="{FF2B5EF4-FFF2-40B4-BE49-F238E27FC236}">
                 <a16:creationId xmlns:a16="http://schemas.microsoft.com/office/drawing/2014/main" id="{8B3D301E-EEB6-4474-BFB1-FCD7A1F30371}"/>
@@ -5340,7 +5302,7 @@
       </p:sp>
       <p:cxnSp>
         <p:nvCxnSpPr>
-          <p:cNvPr id="15" name="Straight Connector 14">
+          <p:cNvPr id="30" name="Straight Connector 29">
             <a:extLst>
               <a:ext uri="{FF2B5EF4-FFF2-40B4-BE49-F238E27FC236}">
                 <a16:creationId xmlns:a16="http://schemas.microsoft.com/office/drawing/2014/main" id="{6456490F-35AF-4D43-B301-FBCB19F2B31A}"/>
@@ -5414,7 +5376,7 @@
         </p:spPr>
         <p:txBody>
           <a:bodyPr>
-            <a:normAutofit lnSpcReduction="10000"/>
+            <a:normAutofit/>
           </a:bodyPr>
           <a:lstStyle/>
           <a:p>
@@ -5424,7 +5386,7 @@
               </a:lnSpc>
             </a:pPr>
             <a:r>
-              <a:rPr lang="ko-KR" altLang="en-US" sz="1800" dirty="0">
+              <a:rPr lang="ko-KR" altLang="en-US" sz="1700">
                 <a:solidFill>
                   <a:srgbClr val="FFFFFF"/>
                 </a:solidFill>
@@ -5435,7 +5397,7 @@
               <a:t>플레이어</a:t>
             </a:r>
             <a:r>
-              <a:rPr lang="en-US" altLang="ko-KR" sz="1800" dirty="0">
+              <a:rPr lang="en-US" altLang="ko-KR" sz="1700">
                 <a:solidFill>
                   <a:srgbClr val="FFFFFF"/>
                 </a:solidFill>
@@ -5446,7 +5408,7 @@
               <a:t>: </a:t>
             </a:r>
             <a:r>
-              <a:rPr lang="ko-KR" altLang="en-US" sz="1800" dirty="0">
+              <a:rPr lang="ko-KR" altLang="en-US" sz="1700">
                 <a:solidFill>
                   <a:srgbClr val="FFFFFF"/>
                 </a:solidFill>
@@ -5457,7 +5419,7 @@
               <a:t>직접 조작할 수 있다</a:t>
             </a:r>
             <a:r>
-              <a:rPr lang="en-US" altLang="ko-KR" sz="1800" dirty="0">
+              <a:rPr lang="en-US" altLang="ko-KR" sz="1700">
                 <a:solidFill>
                   <a:srgbClr val="FFFFFF"/>
                 </a:solidFill>
@@ -5468,7 +5430,7 @@
               <a:t>. </a:t>
             </a:r>
             <a:r>
-              <a:rPr lang="ko-KR" altLang="en-US" sz="1800" dirty="0">
+              <a:rPr lang="ko-KR" altLang="en-US" sz="1700">
                 <a:solidFill>
                   <a:srgbClr val="FFFFFF"/>
                 </a:solidFill>
@@ -5476,32 +5438,10 @@
                   <a:srgbClr val="000000"/>
                 </a:highlight>
               </a:rPr>
-              <a:t>공을 드리블하고 원하는 방향으로 </a:t>
-            </a:r>
-            <a:r>
-              <a:rPr lang="ko-KR" altLang="en-US" sz="1800" dirty="0" err="1">
-                <a:solidFill>
-                  <a:srgbClr val="FFFFFF"/>
-                </a:solidFill>
-                <a:highlight>
-                  <a:srgbClr val="000000"/>
-                </a:highlight>
-              </a:rPr>
-              <a:t>슈팅할</a:t>
-            </a:r>
-            <a:r>
-              <a:rPr lang="ko-KR" altLang="en-US" sz="1800" dirty="0">
-                <a:solidFill>
-                  <a:srgbClr val="FFFFFF"/>
-                </a:solidFill>
-                <a:highlight>
-                  <a:srgbClr val="000000"/>
-                </a:highlight>
-              </a:rPr>
-              <a:t> 수 있다</a:t>
-            </a:r>
-            <a:r>
-              <a:rPr lang="en-US" altLang="ko-KR" sz="1800" dirty="0">
+              <a:t>공을 드리블하고 원하는 방향으로 슈팅할 수 있다</a:t>
+            </a:r>
+            <a:r>
+              <a:rPr lang="en-US" altLang="ko-KR" sz="1700">
                 <a:solidFill>
                   <a:srgbClr val="FFFFFF"/>
                 </a:solidFill>
@@ -5519,7 +5459,7 @@
               </a:lnSpc>
             </a:pPr>
             <a:r>
-              <a:rPr lang="en-US" altLang="ko-KR" sz="1800" dirty="0">
+              <a:rPr lang="en-US" altLang="ko-KR" sz="1700">
                 <a:solidFill>
                   <a:srgbClr val="FFFFFF"/>
                 </a:solidFill>
@@ -5537,7 +5477,7 @@
               </a:lnSpc>
             </a:pPr>
             <a:r>
-              <a:rPr lang="ko-KR" altLang="en-US" sz="1800" dirty="0">
+              <a:rPr lang="ko-KR" altLang="en-US" sz="1700">
                 <a:solidFill>
                   <a:srgbClr val="FFFFFF"/>
                 </a:solidFill>
@@ -5548,7 +5488,7 @@
               <a:t>공</a:t>
             </a:r>
             <a:r>
-              <a:rPr lang="en-US" altLang="ko-KR" sz="1800" dirty="0">
+              <a:rPr lang="en-US" altLang="ko-KR" sz="1700">
                 <a:solidFill>
                   <a:srgbClr val="FFFFFF"/>
                 </a:solidFill>
@@ -5559,7 +5499,7 @@
               <a:t>: </a:t>
             </a:r>
             <a:r>
-              <a:rPr lang="ko-KR" altLang="en-US" sz="1800" dirty="0">
+              <a:rPr lang="ko-KR" altLang="en-US" sz="1700">
                 <a:solidFill>
                   <a:srgbClr val="FFFFFF"/>
                 </a:solidFill>
@@ -5570,7 +5510,7 @@
               <a:t>중력을 받으며 공간안에서 다른 객체들과 충돌한다</a:t>
             </a:r>
             <a:r>
-              <a:rPr lang="en-US" altLang="ko-KR" sz="1800" dirty="0">
+              <a:rPr lang="en-US" altLang="ko-KR" sz="1700">
                 <a:solidFill>
                   <a:srgbClr val="FFFFFF"/>
                 </a:solidFill>
@@ -5587,7 +5527,7 @@
                 <a:spcPct val="120000"/>
               </a:lnSpc>
             </a:pPr>
-            <a:endParaRPr lang="en-US" altLang="ko-KR" sz="1800" dirty="0">
+            <a:endParaRPr lang="en-US" altLang="ko-KR" sz="1700">
               <a:solidFill>
                 <a:srgbClr val="FFFFFF"/>
               </a:solidFill>
@@ -5603,7 +5543,7 @@
               </a:lnSpc>
             </a:pPr>
             <a:r>
-              <a:rPr lang="ko-KR" altLang="en-US" sz="1800" dirty="0">
+              <a:rPr lang="ko-KR" altLang="en-US" sz="1700">
                 <a:solidFill>
                   <a:srgbClr val="FFFFFF"/>
                 </a:solidFill>
@@ -5614,7 +5554,7 @@
               <a:t>골키퍼</a:t>
             </a:r>
             <a:r>
-              <a:rPr lang="en-US" altLang="ko-KR" sz="1800" dirty="0">
+              <a:rPr lang="en-US" altLang="ko-KR" sz="1700">
                 <a:solidFill>
                   <a:srgbClr val="FFFFFF"/>
                 </a:solidFill>
@@ -5625,7 +5565,7 @@
               <a:t>: </a:t>
             </a:r>
             <a:r>
-              <a:rPr lang="ko-KR" altLang="en-US" sz="1800" dirty="0">
+              <a:rPr lang="ko-KR" altLang="en-US" sz="1700">
                 <a:solidFill>
                   <a:srgbClr val="FFFFFF"/>
                 </a:solidFill>
@@ -5636,7 +5576,7 @@
               <a:t>공이 움직이는 방향에 따라 골대를 방어한다</a:t>
             </a:r>
             <a:r>
-              <a:rPr lang="en-US" altLang="ko-KR" sz="1800" dirty="0">
+              <a:rPr lang="en-US" altLang="ko-KR" sz="1700">
                 <a:solidFill>
                   <a:srgbClr val="FFFFFF"/>
                 </a:solidFill>
@@ -5653,7 +5593,7 @@
                 <a:spcPct val="120000"/>
               </a:lnSpc>
             </a:pPr>
-            <a:endParaRPr lang="en-US" altLang="ko-KR" sz="1800" dirty="0">
+            <a:endParaRPr lang="en-US" altLang="ko-KR" sz="1700">
               <a:solidFill>
                 <a:srgbClr val="FFFFFF"/>
               </a:solidFill>
@@ -5669,7 +5609,7 @@
               </a:lnSpc>
             </a:pPr>
             <a:r>
-              <a:rPr lang="ko-KR" altLang="en-US" sz="1800" dirty="0">
+              <a:rPr lang="ko-KR" altLang="en-US" sz="1700">
                 <a:solidFill>
                   <a:srgbClr val="FFFFFF"/>
                 </a:solidFill>
@@ -5680,7 +5620,7 @@
               <a:t>골대</a:t>
             </a:r>
             <a:r>
-              <a:rPr lang="en-US" altLang="ko-KR" sz="1800" dirty="0">
+              <a:rPr lang="en-US" altLang="ko-KR" sz="1700">
                 <a:solidFill>
                   <a:srgbClr val="FFFFFF"/>
                 </a:solidFill>
@@ -5691,7 +5631,7 @@
               <a:t>: </a:t>
             </a:r>
             <a:r>
-              <a:rPr lang="ko-KR" altLang="en-US" sz="1800" dirty="0">
+              <a:rPr lang="ko-KR" altLang="en-US" sz="1700">
                 <a:solidFill>
                   <a:srgbClr val="FFFFFF"/>
                 </a:solidFill>
@@ -5701,7 +5641,7 @@
               </a:rPr>
               <a:t>골키퍼를 피해 공이 골대 안으로 들어가면 골</a:t>
             </a:r>
-            <a:endParaRPr lang="en-US" altLang="ko-KR" sz="1800" dirty="0">
+            <a:endParaRPr lang="en-US" altLang="ko-KR" sz="1700">
               <a:solidFill>
                 <a:srgbClr val="FFFFFF"/>
               </a:solidFill>
@@ -5727,7 +5667,7 @@
       </p:sp>
       <p:cxnSp>
         <p:nvCxnSpPr>
-          <p:cNvPr id="17" name="Main Horizontal Connector">
+          <p:cNvPr id="32" name="Main Horizontal Connector">
             <a:extLst>
               <a:ext uri="{FF2B5EF4-FFF2-40B4-BE49-F238E27FC236}">
                 <a16:creationId xmlns:a16="http://schemas.microsoft.com/office/drawing/2014/main" id="{85F2753B-199B-4FF0-838F-41E8D058E953}"/>
@@ -5779,7 +5719,7 @@
       </p:cxnSp>
       <p:cxnSp>
         <p:nvCxnSpPr>
-          <p:cNvPr id="19" name="Main Vertical Connector">
+          <p:cNvPr id="34" name="Main Vertical Connector">
             <a:extLst>
               <a:ext uri="{FF2B5EF4-FFF2-40B4-BE49-F238E27FC236}">
                 <a16:creationId xmlns:a16="http://schemas.microsoft.com/office/drawing/2014/main" id="{B0BDEAB7-0E83-4F55-90F4-098569F5A573}"/>
@@ -5829,6 +5769,37 @@
           </a:fontRef>
         </p:style>
       </p:cxnSp>
+      <p:pic>
+        <p:nvPicPr>
+          <p:cNvPr id="7" name="Picture 29" descr="풋볼 선수">
+            <a:extLst>
+              <a:ext uri="{FF2B5EF4-FFF2-40B4-BE49-F238E27FC236}">
+                <a16:creationId xmlns:a16="http://schemas.microsoft.com/office/drawing/2014/main" id="{E158462D-8ECE-BFE3-4870-E24F6B0C7645}"/>
+              </a:ext>
+            </a:extLst>
+          </p:cNvPr>
+          <p:cNvPicPr>
+            <a:picLocks noChangeAspect="1"/>
+          </p:cNvPicPr>
+          <p:nvPr/>
+        </p:nvPicPr>
+        <p:blipFill>
+          <a:blip r:embed="rId2">
+            <a:alphaModFix amt="40000"/>
+          </a:blip>
+          <a:srcRect t="5544" r="-1" b="9848"/>
+          <a:stretch/>
+        </p:blipFill>
+        <p:spPr>
+          <a:xfrm>
+            <a:off x="20" y="10"/>
+            <a:ext cx="12188932" cy="6857990"/>
+          </a:xfrm>
+          <a:prstGeom prst="rect">
+            <a:avLst/>
+          </a:prstGeom>
+        </p:spPr>
+      </p:pic>
     </p:spTree>
     <p:extLst>
       <p:ext uri="{BB962C8B-B14F-4D97-AF65-F5344CB8AC3E}">
@@ -5873,12 +5844,12 @@
           <a:chExt cx="0" cy="0"/>
         </a:xfrm>
       </p:grpSpPr>
-      <p:sp>
-        <p:nvSpPr>
-          <p:cNvPr id="10" name="Rectangle 9">
-            <a:extLst>
-              <a:ext uri="{FF2B5EF4-FFF2-40B4-BE49-F238E27FC236}">
-                <a16:creationId xmlns:a16="http://schemas.microsoft.com/office/drawing/2014/main" id="{F194AEDE-F25F-43E6-A2C4-7FFF41074990}"/>
+      <p:sp useBgFill="1">
+        <p:nvSpPr>
+          <p:cNvPr id="34" name="Background Fill">
+            <a:extLst>
+              <a:ext uri="{FF2B5EF4-FFF2-40B4-BE49-F238E27FC236}">
+                <a16:creationId xmlns:a16="http://schemas.microsoft.com/office/drawing/2014/main" id="{B937640E-EF7A-4A6C-A950-D12B7D5C923E}"/>
               </a:ext>
               <a:ext uri="{C183D7F6-B498-43B3-948B-1728B52AA6E4}">
                 <adec:decorative xmlns:adec="http://schemas.microsoft.com/office/drawing/2017/decorative" val="1"/>
@@ -5898,17 +5869,14 @@
         </p:nvSpPr>
         <p:spPr>
           <a:xfrm>
-            <a:off x="367744" y="334928"/>
-            <a:ext cx="11456511" cy="6188146"/>
+            <a:off x="0" y="0"/>
+            <a:ext cx="12188952" cy="6858000"/>
           </a:xfrm>
           <a:prstGeom prst="rect">
             <a:avLst/>
           </a:prstGeom>
-          <a:noFill/>
           <a:ln>
-            <a:solidFill>
-              <a:schemeClr val="tx1"/>
-            </a:solidFill>
+            <a:noFill/>
           </a:ln>
         </p:spPr>
         <p:style>
@@ -5936,21 +5904,21 @@
           </a:p>
         </p:txBody>
       </p:sp>
-      <p:cxnSp>
-        <p:nvCxnSpPr>
-          <p:cNvPr id="12" name="Straight Connector 11">
-            <a:extLst>
-              <a:ext uri="{FF2B5EF4-FFF2-40B4-BE49-F238E27FC236}">
-                <a16:creationId xmlns:a16="http://schemas.microsoft.com/office/drawing/2014/main" id="{4C793C08-EF4C-422B-A728-6C717C47DF6F}"/>
+      <p:sp>
+        <p:nvSpPr>
+          <p:cNvPr id="36" name="Black">
+            <a:extLst>
+              <a:ext uri="{FF2B5EF4-FFF2-40B4-BE49-F238E27FC236}">
+                <a16:creationId xmlns:a16="http://schemas.microsoft.com/office/drawing/2014/main" id="{06F5F482-D021-433B-851C-B07B40E9B78E}"/>
               </a:ext>
               <a:ext uri="{C183D7F6-B498-43B3-948B-1728B52AA6E4}">
                 <adec:decorative xmlns:adec="http://schemas.microsoft.com/office/drawing/2017/decorative" val="1"/>
               </a:ext>
             </a:extLst>
           </p:cNvPr>
-          <p:cNvCxnSpPr>
-            <a:cxnSpLocks noGrp="1" noRot="1" noChangeAspect="1" noMove="1" noResize="1" noEditPoints="1" noAdjustHandles="1" noChangeArrowheads="1" noChangeShapeType="1"/>
-          </p:cNvCxnSpPr>
+          <p:cNvSpPr>
+            <a:spLocks noGrp="1" noRot="1" noChangeAspect="1" noMove="1" noResize="1" noEditPoints="1" noAdjustHandles="1" noChangeArrowheads="1" noChangeShapeType="1" noTextEdit="1"/>
+          </p:cNvSpPr>
           <p:nvPr>
             <p:extLst>
               <p:ext uri="{386F3935-93C4-4BCD-93E2-E3B085C9AB24}">
@@ -5958,18 +5926,462 @@
               </p:ext>
             </p:extLst>
           </p:nvPr>
+        </p:nvSpPr>
+        <p:spPr>
+          <a:xfrm>
+            <a:off x="0" y="0"/>
+            <a:ext cx="12188952" cy="6858000"/>
+          </a:xfrm>
+          <a:prstGeom prst="rect">
+            <a:avLst/>
+          </a:prstGeom>
+          <a:solidFill>
+            <a:srgbClr val="000000"/>
+          </a:solidFill>
+          <a:ln>
+            <a:noFill/>
+          </a:ln>
+        </p:spPr>
+        <p:style>
+          <a:lnRef idx="2">
+            <a:schemeClr val="accent1">
+              <a:shade val="50000"/>
+            </a:schemeClr>
+          </a:lnRef>
+          <a:fillRef idx="1">
+            <a:schemeClr val="accent1"/>
+          </a:fillRef>
+          <a:effectRef idx="0">
+            <a:schemeClr val="accent1"/>
+          </a:effectRef>
+          <a:fontRef idx="minor">
+            <a:schemeClr val="lt1"/>
+          </a:fontRef>
+        </p:style>
+        <p:txBody>
+          <a:bodyPr rtlCol="0" anchor="ctr"/>
+          <a:lstStyle/>
+          <a:p>
+            <a:pPr algn="ctr"/>
+            <a:endParaRPr lang="en-US"/>
+          </a:p>
+        </p:txBody>
+      </p:sp>
+      <p:pic>
+        <p:nvPicPr>
+          <p:cNvPr id="30" name="Picture 29" descr="풋볼 선수">
+            <a:extLst>
+              <a:ext uri="{FF2B5EF4-FFF2-40B4-BE49-F238E27FC236}">
+                <a16:creationId xmlns:a16="http://schemas.microsoft.com/office/drawing/2014/main" id="{0197E73E-581D-C217-3992-716423230EE4}"/>
+              </a:ext>
+            </a:extLst>
+          </p:cNvPr>
+          <p:cNvPicPr>
+            <a:picLocks noChangeAspect="1"/>
+          </p:cNvPicPr>
+          <p:nvPr/>
+        </p:nvPicPr>
+        <p:blipFill>
+          <a:blip r:embed="rId2">
+            <a:alphaModFix amt="40000"/>
+          </a:blip>
+          <a:srcRect t="5544" r="-1" b="9848"/>
+          <a:stretch/>
+        </p:blipFill>
+        <p:spPr>
+          <a:xfrm>
+            <a:off x="20" y="10"/>
+            <a:ext cx="12188932" cy="6857990"/>
+          </a:xfrm>
+          <a:prstGeom prst="rect">
+            <a:avLst/>
+          </a:prstGeom>
+        </p:spPr>
+      </p:pic>
+      <p:sp>
+        <p:nvSpPr>
+          <p:cNvPr id="38" name="Main Frame">
+            <a:extLst>
+              <a:ext uri="{FF2B5EF4-FFF2-40B4-BE49-F238E27FC236}">
+                <a16:creationId xmlns:a16="http://schemas.microsoft.com/office/drawing/2014/main" id="{8B3D301E-EEB6-4474-BFB1-FCD7A1F30371}"/>
+              </a:ext>
+              <a:ext uri="{C183D7F6-B498-43B3-948B-1728B52AA6E4}">
+                <adec:decorative xmlns:adec="http://schemas.microsoft.com/office/drawing/2017/decorative" val="1"/>
+              </a:ext>
+            </a:extLst>
+          </p:cNvPr>
+          <p:cNvSpPr>
+            <a:spLocks noGrp="1" noRot="1" noChangeAspect="1" noMove="1" noResize="1" noEditPoints="1" noAdjustHandles="1" noChangeArrowheads="1" noChangeShapeType="1" noTextEdit="1"/>
+          </p:cNvSpPr>
+          <p:nvPr>
+            <p:extLst>
+              <p:ext uri="{386F3935-93C4-4BCD-93E2-E3B085C9AB24}">
+                <p16:designElem xmlns:p16="http://schemas.microsoft.com/office/powerpoint/2015/main" val="1"/>
+              </p:ext>
+            </p:extLst>
+          </p:nvPr>
+        </p:nvSpPr>
+        <p:spPr>
+          <a:xfrm>
+            <a:off x="367744" y="334928"/>
+            <a:ext cx="11456511" cy="6188146"/>
+          </a:xfrm>
+          <a:prstGeom prst="rect">
+            <a:avLst/>
+          </a:prstGeom>
+          <a:noFill/>
+          <a:ln>
+            <a:solidFill>
+              <a:srgbClr val="FFFFFF"/>
+            </a:solidFill>
+          </a:ln>
+        </p:spPr>
+        <p:style>
+          <a:lnRef idx="2">
+            <a:schemeClr val="accent1">
+              <a:shade val="50000"/>
+            </a:schemeClr>
+          </a:lnRef>
+          <a:fillRef idx="1">
+            <a:schemeClr val="accent1"/>
+          </a:fillRef>
+          <a:effectRef idx="0">
+            <a:schemeClr val="accent1"/>
+          </a:effectRef>
+          <a:fontRef idx="minor">
+            <a:schemeClr val="lt1"/>
+          </a:fontRef>
+        </p:style>
+        <p:txBody>
+          <a:bodyPr rtlCol="0" anchor="ctr"/>
+          <a:lstStyle/>
+          <a:p>
+            <a:pPr algn="ctr"/>
+            <a:endParaRPr lang="en-US"/>
+          </a:p>
+        </p:txBody>
+      </p:sp>
+      <p:sp>
+        <p:nvSpPr>
+          <p:cNvPr id="2" name="제목 1">
+            <a:extLst>
+              <a:ext uri="{FF2B5EF4-FFF2-40B4-BE49-F238E27FC236}">
+                <a16:creationId xmlns:a16="http://schemas.microsoft.com/office/drawing/2014/main" id="{25199091-D086-496A-4E72-ABCCEB473AC3}"/>
+              </a:ext>
+            </a:extLst>
+          </p:cNvPr>
+          <p:cNvSpPr>
+            <a:spLocks noGrp="1"/>
+          </p:cNvSpPr>
+          <p:nvPr>
+            <p:ph type="title"/>
+          </p:nvPr>
+        </p:nvSpPr>
+        <p:spPr>
+          <a:xfrm>
+            <a:off x="841248" y="821519"/>
+            <a:ext cx="5254740" cy="4750860"/>
+          </a:xfrm>
+        </p:spPr>
+        <p:txBody>
+          <a:bodyPr vert="horz" lIns="91440" tIns="45720" rIns="91440" bIns="45720" rtlCol="0" anchor="t">
+            <a:normAutofit/>
+          </a:bodyPr>
+          <a:lstStyle/>
+          <a:p>
+            <a:pPr>
+              <a:lnSpc>
+                <a:spcPct val="90000"/>
+              </a:lnSpc>
+            </a:pPr>
+            <a:r>
+              <a:rPr lang="ko-KR" altLang="en-US">
+                <a:solidFill>
+                  <a:srgbClr val="FFFFFF"/>
+                </a:solidFill>
+              </a:rPr>
+              <a:t>방과 후 축구 한 판</a:t>
+            </a:r>
+          </a:p>
+        </p:txBody>
+      </p:sp>
+      <p:cxnSp>
+        <p:nvCxnSpPr>
+          <p:cNvPr id="40" name="Straight Connector 39">
+            <a:extLst>
+              <a:ext uri="{FF2B5EF4-FFF2-40B4-BE49-F238E27FC236}">
+                <a16:creationId xmlns:a16="http://schemas.microsoft.com/office/drawing/2014/main" id="{6456490F-35AF-4D43-B301-FBCB19F2B31A}"/>
+              </a:ext>
+              <a:ext uri="{C183D7F6-B498-43B3-948B-1728B52AA6E4}">
+                <adec:decorative xmlns:adec="http://schemas.microsoft.com/office/drawing/2017/decorative" val="1"/>
+              </a:ext>
+            </a:extLst>
+          </p:cNvPr>
+          <p:cNvCxnSpPr>
+            <a:cxnSpLocks noGrp="1" noRot="1" noChangeAspect="1" noMove="1" noResize="1" noEditPoints="1" noAdjustHandles="1" noChangeArrowheads="1" noChangeShapeType="1"/>
+          </p:cNvCxnSpPr>
+          <p:nvPr>
+            <p:extLst>
+              <p:ext uri="{386F3935-93C4-4BCD-93E2-E3B085C9AB24}">
+                <p16:designElem xmlns:p16="http://schemas.microsoft.com/office/powerpoint/2015/main" val="1"/>
+              </p:ext>
+            </p:extLst>
+          </p:nvPr>
         </p:nvCxnSpPr>
         <p:spPr>
           <a:xfrm>
-            <a:off x="10748698" y="334928"/>
-            <a:ext cx="0" cy="6188146"/>
+            <a:off x="6438900" y="334928"/>
+            <a:ext cx="0" cy="5701553"/>
           </a:xfrm>
           <a:prstGeom prst="line">
             <a:avLst/>
           </a:prstGeom>
           <a:ln w="12700">
             <a:solidFill>
-              <a:schemeClr val="tx1"/>
+              <a:srgbClr val="FFFFFF"/>
+            </a:solidFill>
+          </a:ln>
+        </p:spPr>
+        <p:style>
+          <a:lnRef idx="1">
+            <a:schemeClr val="accent1"/>
+          </a:lnRef>
+          <a:fillRef idx="0">
+            <a:schemeClr val="accent1"/>
+          </a:fillRef>
+          <a:effectRef idx="0">
+            <a:schemeClr val="accent1"/>
+          </a:effectRef>
+          <a:fontRef idx="minor">
+            <a:schemeClr val="tx1"/>
+          </a:fontRef>
+        </p:style>
+      </p:cxnSp>
+      <p:sp>
+        <p:nvSpPr>
+          <p:cNvPr id="11" name="내용 개체 틀 10">
+            <a:extLst>
+              <a:ext uri="{FF2B5EF4-FFF2-40B4-BE49-F238E27FC236}">
+                <a16:creationId xmlns:a16="http://schemas.microsoft.com/office/drawing/2014/main" id="{14554C02-0F2E-3284-B642-251CC46F329B}"/>
+              </a:ext>
+            </a:extLst>
+          </p:cNvPr>
+          <p:cNvSpPr>
+            <a:spLocks noGrp="1"/>
+          </p:cNvSpPr>
+          <p:nvPr>
+            <p:ph idx="1"/>
+          </p:nvPr>
+        </p:nvSpPr>
+        <p:spPr>
+          <a:xfrm>
+            <a:off x="6799298" y="810563"/>
+            <a:ext cx="3530949" cy="4761238"/>
+          </a:xfrm>
+        </p:spPr>
+        <p:txBody>
+          <a:bodyPr vert="horz" lIns="91440" tIns="45720" rIns="91440" bIns="45720" rtlCol="0">
+            <a:normAutofit/>
+          </a:bodyPr>
+          <a:lstStyle/>
+          <a:p>
+            <a:r>
+              <a:rPr lang="ko-KR" altLang="en-US" dirty="0">
+                <a:solidFill>
+                  <a:srgbClr val="FFFFFF"/>
+                </a:solidFill>
+              </a:rPr>
+              <a:t>조작키</a:t>
+            </a:r>
+            <a:r>
+              <a:rPr lang="en-US" altLang="ko-KR" dirty="0">
+                <a:solidFill>
+                  <a:srgbClr val="FFFFFF"/>
+                </a:solidFill>
+              </a:rPr>
+              <a:t>: </a:t>
+            </a:r>
+          </a:p>
+          <a:p>
+            <a:r>
+              <a:rPr lang="ko-KR" altLang="en-US" dirty="0">
+                <a:solidFill>
+                  <a:srgbClr val="FFFFFF"/>
+                </a:solidFill>
+              </a:rPr>
+              <a:t>방향키 </a:t>
+            </a:r>
+            <a:r>
+              <a:rPr lang="en-US" altLang="ko-KR" dirty="0">
+                <a:solidFill>
+                  <a:srgbClr val="FFFFFF"/>
+                </a:solidFill>
+              </a:rPr>
+              <a:t>– </a:t>
+            </a:r>
+            <a:r>
+              <a:rPr lang="ko-KR" altLang="en-US" dirty="0">
+                <a:solidFill>
+                  <a:srgbClr val="FFFFFF"/>
+                </a:solidFill>
+              </a:rPr>
+              <a:t>플레이어 이동</a:t>
+            </a:r>
+            <a:endParaRPr lang="en-US" altLang="ko-KR" dirty="0">
+              <a:solidFill>
+                <a:srgbClr val="FFFFFF"/>
+              </a:solidFill>
+            </a:endParaRPr>
+          </a:p>
+          <a:p>
+            <a:r>
+              <a:rPr lang="en-US" altLang="ko-KR" dirty="0">
+                <a:solidFill>
+                  <a:srgbClr val="FFFFFF"/>
+                </a:solidFill>
+              </a:rPr>
+              <a:t>E – </a:t>
+            </a:r>
+            <a:r>
+              <a:rPr lang="ko-KR" altLang="en-US" dirty="0">
+                <a:solidFill>
+                  <a:srgbClr val="FFFFFF"/>
+                </a:solidFill>
+              </a:rPr>
+              <a:t>달리기</a:t>
+            </a:r>
+            <a:endParaRPr lang="en-US" altLang="ko-KR" dirty="0">
+              <a:solidFill>
+                <a:srgbClr val="FFFFFF"/>
+              </a:solidFill>
+            </a:endParaRPr>
+          </a:p>
+          <a:p>
+            <a:r>
+              <a:rPr lang="en-US" altLang="ko-KR" dirty="0">
+                <a:solidFill>
+                  <a:srgbClr val="FFFFFF"/>
+                </a:solidFill>
+              </a:rPr>
+              <a:t>D – </a:t>
+            </a:r>
+            <a:r>
+              <a:rPr lang="ko-KR" altLang="en-US" dirty="0">
+                <a:solidFill>
+                  <a:srgbClr val="FFFFFF"/>
+                </a:solidFill>
+              </a:rPr>
+              <a:t>슈팅</a:t>
+            </a:r>
+            <a:r>
+              <a:rPr lang="en-US" altLang="ko-KR" dirty="0">
+                <a:solidFill>
+                  <a:srgbClr val="FFFFFF"/>
+                </a:solidFill>
+              </a:rPr>
+              <a:t> </a:t>
+            </a:r>
+          </a:p>
+          <a:p>
+            <a:r>
+              <a:rPr lang="en-US" altLang="ko-KR" dirty="0">
+                <a:solidFill>
+                  <a:srgbClr val="FFFFFF"/>
+                </a:solidFill>
+              </a:rPr>
+              <a:t>Z – </a:t>
+            </a:r>
+            <a:r>
+              <a:rPr lang="ko-KR" altLang="en-US" dirty="0" err="1">
+                <a:solidFill>
+                  <a:srgbClr val="FFFFFF"/>
+                </a:solidFill>
+              </a:rPr>
+              <a:t>감아차기</a:t>
+            </a:r>
+            <a:endParaRPr lang="en-US" altLang="ko-KR" dirty="0">
+              <a:solidFill>
+                <a:srgbClr val="FFFFFF"/>
+              </a:solidFill>
+            </a:endParaRPr>
+          </a:p>
+          <a:p>
+            <a:r>
+              <a:rPr lang="en-US" altLang="ko-KR" dirty="0">
+                <a:solidFill>
+                  <a:srgbClr val="FFFFFF"/>
+                </a:solidFill>
+              </a:rPr>
+              <a:t>C – </a:t>
+            </a:r>
+            <a:r>
+              <a:rPr lang="ko-KR" altLang="en-US" dirty="0">
+                <a:solidFill>
+                  <a:srgbClr val="FFFFFF"/>
+                </a:solidFill>
+              </a:rPr>
+              <a:t>파워 슈팅</a:t>
+            </a:r>
+            <a:endParaRPr lang="en-US" altLang="ko-KR" dirty="0">
+              <a:solidFill>
+                <a:srgbClr val="FFFFFF"/>
+              </a:solidFill>
+            </a:endParaRPr>
+          </a:p>
+          <a:p>
+            <a:r>
+              <a:rPr lang="en-US" altLang="ko-KR" dirty="0">
+                <a:solidFill>
+                  <a:srgbClr val="FFFFFF"/>
+                </a:solidFill>
+              </a:rPr>
+              <a:t>R – </a:t>
+            </a:r>
+            <a:r>
+              <a:rPr lang="ko-KR" altLang="en-US" dirty="0">
+                <a:solidFill>
+                  <a:srgbClr val="FFFFFF"/>
+                </a:solidFill>
+              </a:rPr>
+              <a:t>위치 초기화</a:t>
+            </a:r>
+          </a:p>
+        </p:txBody>
+      </p:sp>
+      <p:cxnSp>
+        <p:nvCxnSpPr>
+          <p:cNvPr id="42" name="Main Horizontal Connector">
+            <a:extLst>
+              <a:ext uri="{FF2B5EF4-FFF2-40B4-BE49-F238E27FC236}">
+                <a16:creationId xmlns:a16="http://schemas.microsoft.com/office/drawing/2014/main" id="{85F2753B-199B-4FF0-838F-41E8D058E953}"/>
+              </a:ext>
+              <a:ext uri="{C183D7F6-B498-43B3-948B-1728B52AA6E4}">
+                <adec:decorative xmlns:adec="http://schemas.microsoft.com/office/drawing/2017/decorative" val="1"/>
+              </a:ext>
+            </a:extLst>
+          </p:cNvPr>
+          <p:cNvCxnSpPr>
+            <a:cxnSpLocks noGrp="1" noRot="1" noChangeAspect="1" noMove="1" noResize="1" noEditPoints="1" noAdjustHandles="1" noChangeArrowheads="1" noChangeShapeType="1"/>
+          </p:cNvCxnSpPr>
+          <p:nvPr>
+            <p:extLst>
+              <p:ext uri="{386F3935-93C4-4BCD-93E2-E3B085C9AB24}">
+                <p16:designElem xmlns:p16="http://schemas.microsoft.com/office/powerpoint/2015/main" val="1"/>
+              </p:ext>
+            </p:extLst>
+          </p:nvPr>
+        </p:nvCxnSpPr>
+        <p:spPr>
+          <a:xfrm>
+            <a:off x="373060" y="6047437"/>
+            <a:ext cx="10375638" cy="0"/>
+          </a:xfrm>
+          <a:prstGeom prst="line">
+            <a:avLst/>
+          </a:prstGeom>
+          <a:ln w="12700">
+            <a:solidFill>
+              <a:srgbClr val="FFFFFF"/>
             </a:solidFill>
           </a:ln>
         </p:spPr>
@@ -5990,10 +6402,10 @@
       </p:cxnSp>
       <p:cxnSp>
         <p:nvCxnSpPr>
-          <p:cNvPr id="14" name="Straight Connector 13">
-            <a:extLst>
-              <a:ext uri="{FF2B5EF4-FFF2-40B4-BE49-F238E27FC236}">
-                <a16:creationId xmlns:a16="http://schemas.microsoft.com/office/drawing/2014/main" id="{FE825BC6-56A8-46DE-8037-A9A577624B0D}"/>
+          <p:cNvPr id="44" name="Main Vertical Connector">
+            <a:extLst>
+              <a:ext uri="{FF2B5EF4-FFF2-40B4-BE49-F238E27FC236}">
+                <a16:creationId xmlns:a16="http://schemas.microsoft.com/office/drawing/2014/main" id="{B0BDEAB7-0E83-4F55-90F4-098569F5A573}"/>
               </a:ext>
               <a:ext uri="{C183D7F6-B498-43B3-948B-1728B52AA6E4}">
                 <adec:decorative xmlns:adec="http://schemas.microsoft.com/office/drawing/2017/decorative" val="1"/>
@@ -6013,15 +6425,15 @@
         </p:nvCxnSpPr>
         <p:spPr>
           <a:xfrm>
-            <a:off x="373060" y="6047437"/>
-            <a:ext cx="10375638" cy="0"/>
+            <a:off x="10748698" y="334928"/>
+            <a:ext cx="0" cy="6188146"/>
           </a:xfrm>
           <a:prstGeom prst="line">
             <a:avLst/>
           </a:prstGeom>
           <a:ln w="12700">
             <a:solidFill>
-              <a:schemeClr val="tx1"/>
+              <a:srgbClr val="FFFFFF"/>
             </a:solidFill>
           </a:ln>
         </p:spPr>
@@ -6040,566 +6452,42 @@
           </a:fontRef>
         </p:style>
       </p:cxnSp>
-      <p:cxnSp>
-        <p:nvCxnSpPr>
-          <p:cNvPr id="16" name="Straight Connector 15">
-            <a:extLst>
-              <a:ext uri="{FF2B5EF4-FFF2-40B4-BE49-F238E27FC236}">
-                <a16:creationId xmlns:a16="http://schemas.microsoft.com/office/drawing/2014/main" id="{9EED8031-DD67-43C6-94A0-646636C95560}"/>
-              </a:ext>
-              <a:ext uri="{C183D7F6-B498-43B3-948B-1728B52AA6E4}">
-                <adec:decorative xmlns:adec="http://schemas.microsoft.com/office/drawing/2017/decorative" val="1"/>
-              </a:ext>
-            </a:extLst>
-          </p:cNvPr>
-          <p:cNvCxnSpPr>
-            <a:cxnSpLocks noGrp="1" noRot="1" noChangeAspect="1" noMove="1" noResize="1" noEditPoints="1" noAdjustHandles="1" noChangeArrowheads="1" noChangeShapeType="1"/>
-          </p:cNvCxnSpPr>
-          <p:nvPr>
-            <p:extLst>
-              <p:ext uri="{386F3935-93C4-4BCD-93E2-E3B085C9AB24}">
-                <p16:designElem xmlns:p16="http://schemas.microsoft.com/office/powerpoint/2015/main" val="1"/>
-              </p:ext>
-            </p:extLst>
-          </p:nvPr>
-        </p:nvCxnSpPr>
-        <p:spPr>
-          <a:xfrm>
-            <a:off x="360154" y="4495800"/>
-            <a:ext cx="10375638" cy="0"/>
-          </a:xfrm>
-          <a:prstGeom prst="line">
-            <a:avLst/>
-          </a:prstGeom>
-          <a:ln w="12700">
-            <a:solidFill>
-              <a:schemeClr val="tx1"/>
-            </a:solidFill>
-          </a:ln>
-        </p:spPr>
-        <p:style>
-          <a:lnRef idx="1">
-            <a:schemeClr val="accent1"/>
-          </a:lnRef>
-          <a:fillRef idx="0">
-            <a:schemeClr val="accent1"/>
-          </a:fillRef>
-          <a:effectRef idx="0">
-            <a:schemeClr val="accent1"/>
-          </a:effectRef>
-          <a:fontRef idx="minor">
-            <a:schemeClr val="tx1"/>
-          </a:fontRef>
-        </p:style>
-      </p:cxnSp>
-      <p:sp useBgFill="1">
-        <p:nvSpPr>
-          <p:cNvPr id="18" name="Background Fill">
-            <a:extLst>
-              <a:ext uri="{FF2B5EF4-FFF2-40B4-BE49-F238E27FC236}">
-                <a16:creationId xmlns:a16="http://schemas.microsoft.com/office/drawing/2014/main" id="{6DA65B90-7B06-4499-91BA-CDDD36132481}"/>
-              </a:ext>
-              <a:ext uri="{C183D7F6-B498-43B3-948B-1728B52AA6E4}">
-                <adec:decorative xmlns:adec="http://schemas.microsoft.com/office/drawing/2017/decorative" val="1"/>
-              </a:ext>
-            </a:extLst>
-          </p:cNvPr>
-          <p:cNvSpPr>
-            <a:spLocks noGrp="1" noRot="1" noChangeAspect="1" noMove="1" noResize="1" noEditPoints="1" noAdjustHandles="1" noChangeArrowheads="1" noChangeShapeType="1" noTextEdit="1"/>
-          </p:cNvSpPr>
-          <p:nvPr>
-            <p:extLst>
-              <p:ext uri="{386F3935-93C4-4BCD-93E2-E3B085C9AB24}">
-                <p16:designElem xmlns:p16="http://schemas.microsoft.com/office/powerpoint/2015/main" val="1"/>
-              </p:ext>
-            </p:extLst>
-          </p:nvPr>
-        </p:nvSpPr>
-        <p:spPr>
-          <a:xfrm>
-            <a:off x="0" y="0"/>
-            <a:ext cx="12188952" cy="6858000"/>
+      <p:pic>
+        <p:nvPicPr>
+          <p:cNvPr id="13" name="내용 개체 틀 7" descr="잔디, 야외, 들판, 식물이(가) 표시된 사진&#10;&#10;자동 생성된 설명">
+            <a:extLst>
+              <a:ext uri="{FF2B5EF4-FFF2-40B4-BE49-F238E27FC236}">
+                <a16:creationId xmlns:a16="http://schemas.microsoft.com/office/drawing/2014/main" id="{C726377F-AA7F-62C6-3FC2-64E0361449F9}"/>
+              </a:ext>
+            </a:extLst>
+          </p:cNvPr>
+          <p:cNvPicPr>
+            <a:picLocks noChangeAspect="1"/>
+          </p:cNvPicPr>
+          <p:nvPr/>
+        </p:nvPicPr>
+        <p:blipFill>
+          <a:blip r:embed="rId3">
+            <a:extLst>
+              <a:ext uri="{28A0092B-C50C-407E-A947-70E740481C1C}">
+                <a14:useLocalDpi xmlns:a14="http://schemas.microsoft.com/office/drawing/2010/main" val="0"/>
+              </a:ext>
+            </a:extLst>
+          </a:blip>
+          <a:stretch>
+            <a:fillRect/>
+          </a:stretch>
+        </p:blipFill>
+        <p:spPr>
+          <a:xfrm>
+            <a:off x="795817" y="1702725"/>
+            <a:ext cx="5017520" cy="3748088"/>
           </a:xfrm>
           <a:prstGeom prst="rect">
             <a:avLst/>
           </a:prstGeom>
-          <a:ln>
-            <a:noFill/>
-          </a:ln>
-        </p:spPr>
-        <p:style>
-          <a:lnRef idx="2">
-            <a:schemeClr val="accent1">
-              <a:shade val="50000"/>
-            </a:schemeClr>
-          </a:lnRef>
-          <a:fillRef idx="1">
-            <a:schemeClr val="accent1"/>
-          </a:fillRef>
-          <a:effectRef idx="0">
-            <a:schemeClr val="accent1"/>
-          </a:effectRef>
-          <a:fontRef idx="minor">
-            <a:schemeClr val="lt1"/>
-          </a:fontRef>
-        </p:style>
-        <p:txBody>
-          <a:bodyPr rtlCol="0" anchor="ctr"/>
-          <a:lstStyle/>
-          <a:p>
-            <a:pPr algn="ctr"/>
-            <a:endParaRPr lang="en-US"/>
-          </a:p>
-        </p:txBody>
-      </p:sp>
-      <p:sp>
-        <p:nvSpPr>
-          <p:cNvPr id="2" name="제목 1">
-            <a:extLst>
-              <a:ext uri="{FF2B5EF4-FFF2-40B4-BE49-F238E27FC236}">
-                <a16:creationId xmlns:a16="http://schemas.microsoft.com/office/drawing/2014/main" id="{25199091-D086-496A-4E72-ABCCEB473AC3}"/>
-              </a:ext>
-            </a:extLst>
-          </p:cNvPr>
-          <p:cNvSpPr>
-            <a:spLocks noGrp="1"/>
-          </p:cNvSpPr>
-          <p:nvPr>
-            <p:ph type="title"/>
-          </p:nvPr>
-        </p:nvSpPr>
-        <p:spPr>
-          <a:xfrm>
-            <a:off x="841249" y="663960"/>
-            <a:ext cx="2656818" cy="3310164"/>
-          </a:xfrm>
-        </p:spPr>
-        <p:txBody>
-          <a:bodyPr vert="horz" lIns="91440" tIns="45720" rIns="91440" bIns="45720" rtlCol="0" anchor="t">
-            <a:normAutofit/>
-          </a:bodyPr>
-          <a:lstStyle/>
-          <a:p>
-            <a:pPr>
-              <a:lnSpc>
-                <a:spcPct val="90000"/>
-              </a:lnSpc>
-            </a:pPr>
-            <a:r>
-              <a:rPr lang="ko-KR" altLang="en-US" sz="4100" dirty="0"/>
-              <a:t>방과 후 축구 한 판</a:t>
-            </a:r>
-          </a:p>
-        </p:txBody>
-      </p:sp>
-      <p:pic>
-        <p:nvPicPr>
-          <p:cNvPr id="5" name="내용 개체 틀 4" descr="잔디, 그린, 스크린샷, 골프이(가) 표시된 사진&#10;&#10;자동 생성된 설명">
-            <a:extLst>
-              <a:ext uri="{FF2B5EF4-FFF2-40B4-BE49-F238E27FC236}">
-                <a16:creationId xmlns:a16="http://schemas.microsoft.com/office/drawing/2014/main" id="{860F8910-7755-6F75-F5BB-CCE73AAFE000}"/>
-              </a:ext>
-            </a:extLst>
-          </p:cNvPr>
-          <p:cNvPicPr>
-            <a:picLocks noGrp="1" noChangeAspect="1"/>
-          </p:cNvPicPr>
-          <p:nvPr>
-            <p:ph idx="1"/>
-          </p:nvPr>
-        </p:nvPicPr>
-        <p:blipFill>
-          <a:blip r:embed="rId2">
-            <a:extLst>
-              <a:ext uri="{28A0092B-C50C-407E-A947-70E740481C1C}">
-                <a14:useLocalDpi xmlns:a14="http://schemas.microsoft.com/office/drawing/2010/main" val="0"/>
-              </a:ext>
-            </a:extLst>
-          </a:blip>
-          <a:srcRect r="-1" b="25477"/>
-          <a:stretch/>
-        </p:blipFill>
-        <p:spPr>
-          <a:xfrm>
-            <a:off x="4198131" y="1441766"/>
-            <a:ext cx="6208088" cy="3492935"/>
-          </a:xfrm>
-          <a:prstGeom prst="rect">
-            <a:avLst/>
-          </a:prstGeom>
         </p:spPr>
       </p:pic>
-      <p:sp>
-        <p:nvSpPr>
-          <p:cNvPr id="20" name="Main Frame">
-            <a:extLst>
-              <a:ext uri="{FF2B5EF4-FFF2-40B4-BE49-F238E27FC236}">
-                <a16:creationId xmlns:a16="http://schemas.microsoft.com/office/drawing/2014/main" id="{9502469D-C562-48E3-ABA2-3CFA55C52684}"/>
-              </a:ext>
-              <a:ext uri="{C183D7F6-B498-43B3-948B-1728B52AA6E4}">
-                <adec:decorative xmlns:adec="http://schemas.microsoft.com/office/drawing/2017/decorative" val="1"/>
-              </a:ext>
-            </a:extLst>
-          </p:cNvPr>
-          <p:cNvSpPr>
-            <a:spLocks noGrp="1" noRot="1" noChangeAspect="1" noMove="1" noResize="1" noEditPoints="1" noAdjustHandles="1" noChangeArrowheads="1" noChangeShapeType="1" noTextEdit="1"/>
-          </p:cNvSpPr>
-          <p:nvPr>
-            <p:extLst>
-              <p:ext uri="{386F3935-93C4-4BCD-93E2-E3B085C9AB24}">
-                <p16:designElem xmlns:p16="http://schemas.microsoft.com/office/powerpoint/2015/main" val="1"/>
-              </p:ext>
-            </p:extLst>
-          </p:nvPr>
-        </p:nvSpPr>
-        <p:spPr>
-          <a:xfrm>
-            <a:off x="367744" y="334928"/>
-            <a:ext cx="11456511" cy="6188146"/>
-          </a:xfrm>
-          <a:prstGeom prst="rect">
-            <a:avLst/>
-          </a:prstGeom>
-          <a:noFill/>
-          <a:ln>
-            <a:solidFill>
-              <a:schemeClr val="tx1"/>
-            </a:solidFill>
-          </a:ln>
-        </p:spPr>
-        <p:style>
-          <a:lnRef idx="2">
-            <a:schemeClr val="accent1">
-              <a:shade val="50000"/>
-            </a:schemeClr>
-          </a:lnRef>
-          <a:fillRef idx="1">
-            <a:schemeClr val="accent1"/>
-          </a:fillRef>
-          <a:effectRef idx="0">
-            <a:schemeClr val="accent1"/>
-          </a:effectRef>
-          <a:fontRef idx="minor">
-            <a:schemeClr val="lt1"/>
-          </a:fontRef>
-        </p:style>
-        <p:txBody>
-          <a:bodyPr rtlCol="0" anchor="ctr"/>
-          <a:lstStyle/>
-          <a:p>
-            <a:pPr algn="ctr"/>
-            <a:endParaRPr lang="en-US"/>
-          </a:p>
-        </p:txBody>
-      </p:sp>
-      <p:cxnSp>
-        <p:nvCxnSpPr>
-          <p:cNvPr id="22" name="Main Horizontal Connector">
-            <a:extLst>
-              <a:ext uri="{FF2B5EF4-FFF2-40B4-BE49-F238E27FC236}">
-                <a16:creationId xmlns:a16="http://schemas.microsoft.com/office/drawing/2014/main" id="{4D594499-F983-4364-8ABC-5BCDC2E906BF}"/>
-              </a:ext>
-              <a:ext uri="{C183D7F6-B498-43B3-948B-1728B52AA6E4}">
-                <adec:decorative xmlns:adec="http://schemas.microsoft.com/office/drawing/2017/decorative" val="1"/>
-              </a:ext>
-            </a:extLst>
-          </p:cNvPr>
-          <p:cNvCxnSpPr>
-            <a:cxnSpLocks noGrp="1" noRot="1" noChangeAspect="1" noMove="1" noResize="1" noEditPoints="1" noAdjustHandles="1" noChangeArrowheads="1" noChangeShapeType="1"/>
-          </p:cNvCxnSpPr>
-          <p:nvPr>
-            <p:extLst>
-              <p:ext uri="{386F3935-93C4-4BCD-93E2-E3B085C9AB24}">
-                <p16:designElem xmlns:p16="http://schemas.microsoft.com/office/powerpoint/2015/main" val="1"/>
-              </p:ext>
-            </p:extLst>
-          </p:nvPr>
-        </p:nvCxnSpPr>
-        <p:spPr>
-          <a:xfrm>
-            <a:off x="373060" y="6047437"/>
-            <a:ext cx="10375638" cy="0"/>
-          </a:xfrm>
-          <a:prstGeom prst="line">
-            <a:avLst/>
-          </a:prstGeom>
-          <a:ln w="12700">
-            <a:solidFill>
-              <a:schemeClr val="tx1"/>
-            </a:solidFill>
-          </a:ln>
-        </p:spPr>
-        <p:style>
-          <a:lnRef idx="1">
-            <a:schemeClr val="accent1"/>
-          </a:lnRef>
-          <a:fillRef idx="0">
-            <a:schemeClr val="accent1"/>
-          </a:fillRef>
-          <a:effectRef idx="0">
-            <a:schemeClr val="accent1"/>
-          </a:effectRef>
-          <a:fontRef idx="minor">
-            <a:schemeClr val="tx1"/>
-          </a:fontRef>
-        </p:style>
-      </p:cxnSp>
-      <p:cxnSp>
-        <p:nvCxnSpPr>
-          <p:cNvPr id="24" name="Straight Connector 23">
-            <a:extLst>
-              <a:ext uri="{FF2B5EF4-FFF2-40B4-BE49-F238E27FC236}">
-                <a16:creationId xmlns:a16="http://schemas.microsoft.com/office/drawing/2014/main" id="{10A37E3E-52D3-44C9-B418-2D26B214CB1F}"/>
-              </a:ext>
-              <a:ext uri="{C183D7F6-B498-43B3-948B-1728B52AA6E4}">
-                <adec:decorative xmlns:adec="http://schemas.microsoft.com/office/drawing/2017/decorative" val="1"/>
-              </a:ext>
-            </a:extLst>
-          </p:cNvPr>
-          <p:cNvCxnSpPr>
-            <a:cxnSpLocks noGrp="1" noRot="1" noChangeAspect="1" noMove="1" noResize="1" noEditPoints="1" noAdjustHandles="1" noChangeArrowheads="1" noChangeShapeType="1"/>
-          </p:cNvCxnSpPr>
-          <p:nvPr>
-            <p:extLst>
-              <p:ext uri="{386F3935-93C4-4BCD-93E2-E3B085C9AB24}">
-                <p16:designElem xmlns:p16="http://schemas.microsoft.com/office/powerpoint/2015/main" val="1"/>
-              </p:ext>
-            </p:extLst>
-          </p:nvPr>
-        </p:nvCxnSpPr>
-        <p:spPr>
-          <a:xfrm flipV="1">
-            <a:off x="3848100" y="334928"/>
-            <a:ext cx="0" cy="5712509"/>
-          </a:xfrm>
-          <a:prstGeom prst="line">
-            <a:avLst/>
-          </a:prstGeom>
-          <a:ln w="12700">
-            <a:solidFill>
-              <a:schemeClr val="tx1"/>
-            </a:solidFill>
-          </a:ln>
-        </p:spPr>
-        <p:style>
-          <a:lnRef idx="1">
-            <a:schemeClr val="accent1"/>
-          </a:lnRef>
-          <a:fillRef idx="0">
-            <a:schemeClr val="accent1"/>
-          </a:fillRef>
-          <a:effectRef idx="0">
-            <a:schemeClr val="accent1"/>
-          </a:effectRef>
-          <a:fontRef idx="minor">
-            <a:schemeClr val="tx1"/>
-          </a:fontRef>
-        </p:style>
-      </p:cxnSp>
-      <p:cxnSp>
-        <p:nvCxnSpPr>
-          <p:cNvPr id="26" name="Straight Connector 25">
-            <a:extLst>
-              <a:ext uri="{FF2B5EF4-FFF2-40B4-BE49-F238E27FC236}">
-                <a16:creationId xmlns:a16="http://schemas.microsoft.com/office/drawing/2014/main" id="{7A74BE92-BA24-4F82-94AC-ED4A58B227EF}"/>
-              </a:ext>
-              <a:ext uri="{C183D7F6-B498-43B3-948B-1728B52AA6E4}">
-                <adec:decorative xmlns:adec="http://schemas.microsoft.com/office/drawing/2017/decorative" val="1"/>
-              </a:ext>
-            </a:extLst>
-          </p:cNvPr>
-          <p:cNvCxnSpPr>
-            <a:cxnSpLocks noGrp="1" noRot="1" noChangeAspect="1" noMove="1" noResize="1" noEditPoints="1" noAdjustHandles="1" noChangeArrowheads="1" noChangeShapeType="1"/>
-          </p:cNvCxnSpPr>
-          <p:nvPr>
-            <p:extLst>
-              <p:ext uri="{386F3935-93C4-4BCD-93E2-E3B085C9AB24}">
-                <p16:designElem xmlns:p16="http://schemas.microsoft.com/office/powerpoint/2015/main" val="1"/>
-              </p:ext>
-            </p:extLst>
-          </p:nvPr>
-        </p:nvCxnSpPr>
-        <p:spPr>
-          <a:xfrm>
-            <a:off x="367744" y="4502926"/>
-            <a:ext cx="3480356" cy="0"/>
-          </a:xfrm>
-          <a:prstGeom prst="line">
-            <a:avLst/>
-          </a:prstGeom>
-          <a:ln w="12700">
-            <a:solidFill>
-              <a:schemeClr val="tx1"/>
-            </a:solidFill>
-          </a:ln>
-        </p:spPr>
-        <p:style>
-          <a:lnRef idx="1">
-            <a:schemeClr val="accent1"/>
-          </a:lnRef>
-          <a:fillRef idx="0">
-            <a:schemeClr val="accent1"/>
-          </a:fillRef>
-          <a:effectRef idx="0">
-            <a:schemeClr val="accent1"/>
-          </a:effectRef>
-          <a:fontRef idx="minor">
-            <a:schemeClr val="tx1"/>
-          </a:fontRef>
-        </p:style>
-      </p:cxnSp>
-      <p:cxnSp>
-        <p:nvCxnSpPr>
-          <p:cNvPr id="28" name="Main Vertical Connector">
-            <a:extLst>
-              <a:ext uri="{FF2B5EF4-FFF2-40B4-BE49-F238E27FC236}">
-                <a16:creationId xmlns:a16="http://schemas.microsoft.com/office/drawing/2014/main" id="{6D4C177C-581F-4CC8-A686-0B6D25DC6A70}"/>
-              </a:ext>
-              <a:ext uri="{C183D7F6-B498-43B3-948B-1728B52AA6E4}">
-                <adec:decorative xmlns:adec="http://schemas.microsoft.com/office/drawing/2017/decorative" val="1"/>
-              </a:ext>
-            </a:extLst>
-          </p:cNvPr>
-          <p:cNvCxnSpPr>
-            <a:cxnSpLocks noGrp="1" noRot="1" noChangeAspect="1" noMove="1" noResize="1" noEditPoints="1" noAdjustHandles="1" noChangeArrowheads="1" noChangeShapeType="1"/>
-          </p:cNvCxnSpPr>
-          <p:nvPr>
-            <p:extLst>
-              <p:ext uri="{386F3935-93C4-4BCD-93E2-E3B085C9AB24}">
-                <p16:designElem xmlns:p16="http://schemas.microsoft.com/office/powerpoint/2015/main" val="1"/>
-              </p:ext>
-            </p:extLst>
-          </p:nvPr>
-        </p:nvCxnSpPr>
-        <p:spPr>
-          <a:xfrm>
-            <a:off x="10748698" y="334928"/>
-            <a:ext cx="0" cy="6188146"/>
-          </a:xfrm>
-          <a:prstGeom prst="line">
-            <a:avLst/>
-          </a:prstGeom>
-          <a:ln w="12700">
-            <a:solidFill>
-              <a:schemeClr val="tx1"/>
-            </a:solidFill>
-          </a:ln>
-        </p:spPr>
-        <p:style>
-          <a:lnRef idx="1">
-            <a:schemeClr val="accent1"/>
-          </a:lnRef>
-          <a:fillRef idx="0">
-            <a:schemeClr val="accent1"/>
-          </a:fillRef>
-          <a:effectRef idx="0">
-            <a:schemeClr val="accent1"/>
-          </a:effectRef>
-          <a:fontRef idx="minor">
-            <a:schemeClr val="tx1"/>
-          </a:fontRef>
-        </p:style>
-      </p:cxnSp>
-      <p:sp>
-        <p:nvSpPr>
-          <p:cNvPr id="3" name="TextBox 2">
-            <a:extLst>
-              <a:ext uri="{FF2B5EF4-FFF2-40B4-BE49-F238E27FC236}">
-                <a16:creationId xmlns:a16="http://schemas.microsoft.com/office/drawing/2014/main" id="{42228698-5792-8E9B-550F-416F33816A48}"/>
-              </a:ext>
-            </a:extLst>
-          </p:cNvPr>
-          <p:cNvSpPr txBox="1"/>
-          <p:nvPr/>
-        </p:nvSpPr>
-        <p:spPr>
-          <a:xfrm>
-            <a:off x="730574" y="2083762"/>
-            <a:ext cx="2392001" cy="1754326"/>
-          </a:xfrm>
-          <a:prstGeom prst="rect">
-            <a:avLst/>
-          </a:prstGeom>
-          <a:noFill/>
-        </p:spPr>
-        <p:txBody>
-          <a:bodyPr wrap="none" rtlCol="0">
-            <a:spAutoFit/>
-          </a:bodyPr>
-          <a:lstStyle/>
-          <a:p>
-            <a:r>
-              <a:rPr lang="ko-KR" altLang="en-US" dirty="0"/>
-              <a:t>조작키</a:t>
-            </a:r>
-            <a:r>
-              <a:rPr lang="en-US" altLang="ko-KR" dirty="0"/>
-              <a:t>: </a:t>
-            </a:r>
-          </a:p>
-          <a:p>
-            <a:r>
-              <a:rPr lang="ko-KR" altLang="en-US" dirty="0"/>
-              <a:t>방향키 </a:t>
-            </a:r>
-            <a:r>
-              <a:rPr lang="en-US" altLang="ko-KR" dirty="0"/>
-              <a:t>– </a:t>
-            </a:r>
-            <a:r>
-              <a:rPr lang="ko-KR" altLang="en-US" dirty="0"/>
-              <a:t>플레이어 이동</a:t>
-            </a:r>
-            <a:endParaRPr lang="en-US" altLang="ko-KR" dirty="0"/>
-          </a:p>
-          <a:p>
-            <a:r>
-              <a:rPr lang="en-US" altLang="ko-KR" dirty="0"/>
-              <a:t>E – </a:t>
-            </a:r>
-            <a:r>
-              <a:rPr lang="ko-KR" altLang="en-US" dirty="0"/>
-              <a:t>달리기</a:t>
-            </a:r>
-            <a:endParaRPr lang="en-US" altLang="ko-KR" dirty="0"/>
-          </a:p>
-          <a:p>
-            <a:r>
-              <a:rPr lang="en-US" altLang="ko-KR" dirty="0"/>
-              <a:t>D – </a:t>
-            </a:r>
-            <a:r>
-              <a:rPr lang="ko-KR" altLang="en-US" dirty="0"/>
-              <a:t>슈팅</a:t>
-            </a:r>
-            <a:r>
-              <a:rPr lang="en-US" altLang="ko-KR" dirty="0"/>
-              <a:t> </a:t>
-            </a:r>
-          </a:p>
-          <a:p>
-            <a:r>
-              <a:rPr lang="en-US" altLang="ko-KR" dirty="0"/>
-              <a:t>Z – </a:t>
-            </a:r>
-            <a:r>
-              <a:rPr lang="ko-KR" altLang="en-US" dirty="0" err="1"/>
-              <a:t>감아차기</a:t>
-            </a:r>
-            <a:endParaRPr lang="en-US" altLang="ko-KR" dirty="0"/>
-          </a:p>
-          <a:p>
-            <a:r>
-              <a:rPr lang="en-US" altLang="ko-KR" dirty="0"/>
-              <a:t>C – </a:t>
-            </a:r>
-            <a:r>
-              <a:rPr lang="ko-KR" altLang="en-US" dirty="0"/>
-              <a:t>파워 슈팅</a:t>
-            </a:r>
-          </a:p>
-        </p:txBody>
-      </p:sp>
     </p:spTree>
     <p:extLst>
       <p:ext uri="{BB962C8B-B14F-4D97-AF65-F5344CB8AC3E}">
@@ -6608,7 +6496,7 @@
     </p:extLst>
   </p:cSld>
   <p:clrMapOvr>
-    <a:masterClrMapping/>
+    <a:overrideClrMapping bg1="dk1" tx1="lt1" bg2="dk2" tx2="lt2" accent1="accent1" accent2="accent2" accent3="accent3" accent4="accent4" accent5="accent5" accent6="accent6" hlink="hlink" folHlink="folHlink"/>
   </p:clrMapOvr>
 </p:sld>
 </file>
@@ -6761,42 +6649,6 @@
           </a:p>
         </p:txBody>
       </p:sp>
-      <p:pic>
-        <p:nvPicPr>
-          <p:cNvPr id="4" name="내용 개체 틀 4" descr="잔디, 그린, 스크린샷, 골프이(가) 표시된 사진&#10;&#10;자동 생성된 설명">
-            <a:extLst>
-              <a:ext uri="{FF2B5EF4-FFF2-40B4-BE49-F238E27FC236}">
-                <a16:creationId xmlns:a16="http://schemas.microsoft.com/office/drawing/2014/main" id="{8AF79827-AE15-621E-E9E3-510D7B5C199B}"/>
-              </a:ext>
-            </a:extLst>
-          </p:cNvPr>
-          <p:cNvPicPr>
-            <a:picLocks noChangeAspect="1"/>
-          </p:cNvPicPr>
-          <p:nvPr/>
-        </p:nvPicPr>
-        <p:blipFill>
-          <a:blip r:embed="rId2">
-            <a:alphaModFix amt="40000"/>
-            <a:extLst>
-              <a:ext uri="{28A0092B-C50C-407E-A947-70E740481C1C}">
-                <a14:useLocalDpi xmlns:a14="http://schemas.microsoft.com/office/drawing/2010/main" val="0"/>
-              </a:ext>
-            </a:extLst>
-          </a:blip>
-          <a:srcRect r="-1" b="25477"/>
-          <a:stretch/>
-        </p:blipFill>
-        <p:spPr>
-          <a:xfrm>
-            <a:off x="20" y="10"/>
-            <a:ext cx="12188932" cy="6857990"/>
-          </a:xfrm>
-          <a:prstGeom prst="rect">
-            <a:avLst/>
-          </a:prstGeom>
-        </p:spPr>
-      </p:pic>
       <p:sp>
         <p:nvSpPr>
           <p:cNvPr id="13" name="Main Frame">
@@ -6985,7 +6837,7 @@
               </a:lnSpc>
             </a:pPr>
             <a:r>
-              <a:rPr lang="ko-KR" altLang="en-US">
+              <a:rPr lang="ko-KR" altLang="en-US" dirty="0">
                 <a:solidFill>
                   <a:srgbClr val="FFFFFF"/>
                 </a:solidFill>
@@ -6993,7 +6845,7 @@
               <a:t>플레이어</a:t>
             </a:r>
             <a:r>
-              <a:rPr lang="en-US" altLang="ko-KR">
+              <a:rPr lang="en-US" altLang="ko-KR" dirty="0">
                 <a:solidFill>
                   <a:srgbClr val="FFFFFF"/>
                 </a:solidFill>
@@ -7001,14 +6853,14 @@
               <a:t>, </a:t>
             </a:r>
             <a:r>
-              <a:rPr lang="ko-KR" altLang="en-US">
+              <a:rPr lang="ko-KR" altLang="en-US" dirty="0">
                 <a:solidFill>
                   <a:srgbClr val="FFFFFF"/>
                 </a:solidFill>
               </a:rPr>
               <a:t>골키퍼의 모션이 구현되지 않음</a:t>
             </a:r>
-            <a:endParaRPr lang="en-US" altLang="ko-KR">
+            <a:endParaRPr lang="en-US" altLang="ko-KR" dirty="0">
               <a:solidFill>
                 <a:srgbClr val="FFFFFF"/>
               </a:solidFill>
@@ -7020,7 +6872,7 @@
                 <a:spcPct val="120000"/>
               </a:lnSpc>
             </a:pPr>
-            <a:endParaRPr lang="en-US" altLang="ko-KR">
+            <a:endParaRPr lang="en-US" altLang="ko-KR" dirty="0">
               <a:solidFill>
                 <a:srgbClr val="FFFFFF"/>
               </a:solidFill>
@@ -7033,14 +6885,22 @@
               </a:lnSpc>
             </a:pPr>
             <a:r>
-              <a:rPr lang="ko-KR" altLang="en-US">
+              <a:rPr lang="ko-KR" altLang="en-US" dirty="0">
                 <a:solidFill>
                   <a:srgbClr val="FFFFFF"/>
                 </a:solidFill>
               </a:rPr>
-              <a:t>메모리 사용량이 계속 증가하는 문제</a:t>
-            </a:r>
-            <a:endParaRPr lang="en-US" altLang="ko-KR">
+              <a:t>다소 어려운 </a:t>
+            </a:r>
+            <a:r>
+              <a:rPr lang="ko-KR" altLang="en-US" dirty="0" err="1">
+                <a:solidFill>
+                  <a:srgbClr val="FFFFFF"/>
+                </a:solidFill>
+              </a:rPr>
+              <a:t>조작감</a:t>
+            </a:r>
+            <a:endParaRPr lang="en-US" altLang="ko-KR" dirty="0">
               <a:solidFill>
                 <a:srgbClr val="FFFFFF"/>
               </a:solidFill>
@@ -7052,7 +6912,7 @@
                 <a:spcPct val="120000"/>
               </a:lnSpc>
             </a:pPr>
-            <a:endParaRPr lang="en-US" altLang="ko-KR">
+            <a:endParaRPr lang="en-US" altLang="ko-KR" dirty="0">
               <a:solidFill>
                 <a:srgbClr val="FFFFFF"/>
               </a:solidFill>
@@ -7065,18 +6925,37 @@
               </a:lnSpc>
             </a:pPr>
             <a:r>
-              <a:rPr lang="ko-KR" altLang="en-US">
+              <a:rPr lang="ko-KR" altLang="en-US" dirty="0">
                 <a:solidFill>
                   <a:srgbClr val="FFFFFF"/>
                 </a:solidFill>
               </a:rPr>
-              <a:t>다소 불편한 조작감</a:t>
-            </a:r>
-            <a:endParaRPr lang="en-US" altLang="ko-KR">
-              <a:solidFill>
-                <a:srgbClr val="FFFFFF"/>
-              </a:solidFill>
-            </a:endParaRPr>
+              <a:t>수비수</a:t>
+            </a:r>
+            <a:r>
+              <a:rPr lang="en-US" altLang="ko-KR" dirty="0">
+                <a:solidFill>
+                  <a:srgbClr val="FFFFFF"/>
+                </a:solidFill>
+              </a:rPr>
+              <a:t>, </a:t>
+            </a:r>
+            <a:r>
+              <a:rPr lang="ko-KR" altLang="en-US" dirty="0">
+                <a:solidFill>
+                  <a:srgbClr val="FFFFFF"/>
+                </a:solidFill>
+              </a:rPr>
+              <a:t>스코어 등이 구현되었다면 더 풍성한 프로그램이 되었을 것 같다</a:t>
+            </a:r>
+            <a:r>
+              <a:rPr lang="en-US" altLang="ko-KR" dirty="0">
+                <a:solidFill>
+                  <a:srgbClr val="FFFFFF"/>
+                </a:solidFill>
+              </a:rPr>
+              <a:t>.</a:t>
+            </a:r>
           </a:p>
           <a:p>
             <a:pPr>
@@ -7084,42 +6963,6 @@
                 <a:spcPct val="120000"/>
               </a:lnSpc>
             </a:pPr>
-            <a:endParaRPr lang="en-US" altLang="ko-KR">
-              <a:solidFill>
-                <a:srgbClr val="FFFFFF"/>
-              </a:solidFill>
-            </a:endParaRPr>
-          </a:p>
-          <a:p>
-            <a:pPr>
-              <a:lnSpc>
-                <a:spcPct val="120000"/>
-              </a:lnSpc>
-            </a:pPr>
-            <a:r>
-              <a:rPr lang="ko-KR" altLang="en-US">
-                <a:solidFill>
-                  <a:srgbClr val="FFFFFF"/>
-                </a:solidFill>
-              </a:rPr>
-              <a:t>인터페이스</a:t>
-            </a:r>
-            <a:r>
-              <a:rPr lang="en-US" altLang="ko-KR">
-                <a:solidFill>
-                  <a:srgbClr val="FFFFFF"/>
-                </a:solidFill>
-              </a:rPr>
-              <a:t>,</a:t>
-            </a:r>
-            <a:r>
-              <a:rPr lang="ko-KR" altLang="en-US">
-                <a:solidFill>
-                  <a:srgbClr val="FFFFFF"/>
-                </a:solidFill>
-              </a:rPr>
-              <a:t> 배경 등이 있었다면 더 완성도 있었을 것 같다</a:t>
-            </a:r>
             <a:endParaRPr lang="en-US" altLang="ko-KR" dirty="0">
               <a:solidFill>
                 <a:srgbClr val="FFFFFF"/>
@@ -7232,6 +7075,42 @@
           </a:fontRef>
         </p:style>
       </p:cxnSp>
+      <p:pic>
+        <p:nvPicPr>
+          <p:cNvPr id="5" name="그림 4" descr="잔디, 야외, 들판, 식물이(가) 표시된 사진&#10;&#10;자동 생성된 설명">
+            <a:extLst>
+              <a:ext uri="{FF2B5EF4-FFF2-40B4-BE49-F238E27FC236}">
+                <a16:creationId xmlns:a16="http://schemas.microsoft.com/office/drawing/2014/main" id="{EDBF290E-DFBB-6169-CBB6-28F99F8E2221}"/>
+              </a:ext>
+            </a:extLst>
+          </p:cNvPr>
+          <p:cNvPicPr>
+            <a:picLocks noChangeAspect="1"/>
+          </p:cNvPicPr>
+          <p:nvPr/>
+        </p:nvPicPr>
+        <p:blipFill>
+          <a:blip r:embed="rId2">
+            <a:alphaModFix amt="40000"/>
+            <a:extLst>
+              <a:ext uri="{28A0092B-C50C-407E-A947-70E740481C1C}">
+                <a14:useLocalDpi xmlns:a14="http://schemas.microsoft.com/office/drawing/2010/main" val="0"/>
+              </a:ext>
+            </a:extLst>
+          </a:blip>
+          <a:srcRect t="4555" r="-1" b="20174"/>
+          <a:stretch/>
+        </p:blipFill>
+        <p:spPr>
+          <a:xfrm>
+            <a:off x="3068" y="10"/>
+            <a:ext cx="12188932" cy="6857990"/>
+          </a:xfrm>
+          <a:prstGeom prst="rect">
+            <a:avLst/>
+          </a:prstGeom>
+        </p:spPr>
+      </p:pic>
     </p:spTree>
     <p:extLst>
       <p:ext uri="{BB962C8B-B14F-4D97-AF65-F5344CB8AC3E}">

--- a/방과 후 축구 한 판.pptx
+++ b/방과 후 축구 한 판.pptx
@@ -4,6 +4,9 @@
   <p:sldMasterIdLst>
     <p:sldMasterId id="2147483660" r:id="rId1"/>
   </p:sldMasterIdLst>
+  <p:notesMasterIdLst>
+    <p:notesMasterId r:id="rId7"/>
+  </p:notesMasterIdLst>
   <p:sldIdLst>
     <p:sldId id="256" r:id="rId2"/>
     <p:sldId id="257" r:id="rId3"/>
@@ -114,6 +117,439 @@
     </p:ext>
   </p:extLst>
 </p:presentation>
+</file>
+
+<file path=ppt/notesMasters/notesMaster1.xml><?xml version="1.0" encoding="utf-8"?>
+<p:notesMaster xmlns:a="http://schemas.openxmlformats.org/drawingml/2006/main" xmlns:r="http://schemas.openxmlformats.org/officeDocument/2006/relationships" xmlns:p="http://schemas.openxmlformats.org/presentationml/2006/main">
+  <p:cSld>
+    <p:bg>
+      <p:bgRef idx="1001">
+        <a:schemeClr val="bg1"/>
+      </p:bgRef>
+    </p:bg>
+    <p:spTree>
+      <p:nvGrpSpPr>
+        <p:cNvPr id="1" name=""/>
+        <p:cNvGrpSpPr/>
+        <p:nvPr/>
+      </p:nvGrpSpPr>
+      <p:grpSpPr>
+        <a:xfrm>
+          <a:off x="0" y="0"/>
+          <a:ext cx="0" cy="0"/>
+          <a:chOff x="0" y="0"/>
+          <a:chExt cx="0" cy="0"/>
+        </a:xfrm>
+      </p:grpSpPr>
+      <p:sp>
+        <p:nvSpPr>
+          <p:cNvPr id="2" name="머리글 개체 틀 1"/>
+          <p:cNvSpPr>
+            <a:spLocks noGrp="1"/>
+          </p:cNvSpPr>
+          <p:nvPr>
+            <p:ph type="hdr" sz="quarter"/>
+          </p:nvPr>
+        </p:nvSpPr>
+        <p:spPr>
+          <a:xfrm>
+            <a:off x="0" y="0"/>
+            <a:ext cx="2971800" cy="458788"/>
+          </a:xfrm>
+          <a:prstGeom prst="rect">
+            <a:avLst/>
+          </a:prstGeom>
+        </p:spPr>
+        <p:txBody>
+          <a:bodyPr vert="horz" lIns="91440" tIns="45720" rIns="91440" bIns="45720" rtlCol="0"/>
+          <a:lstStyle>
+            <a:lvl1pPr algn="l">
+              <a:defRPr sz="1200"/>
+            </a:lvl1pPr>
+          </a:lstStyle>
+          <a:p>
+            <a:endParaRPr lang="ko-KR" altLang="en-US"/>
+          </a:p>
+        </p:txBody>
+      </p:sp>
+      <p:sp>
+        <p:nvSpPr>
+          <p:cNvPr id="3" name="날짜 개체 틀 2"/>
+          <p:cNvSpPr>
+            <a:spLocks noGrp="1"/>
+          </p:cNvSpPr>
+          <p:nvPr>
+            <p:ph type="dt" idx="1"/>
+          </p:nvPr>
+        </p:nvSpPr>
+        <p:spPr>
+          <a:xfrm>
+            <a:off x="3884613" y="0"/>
+            <a:ext cx="2971800" cy="458788"/>
+          </a:xfrm>
+          <a:prstGeom prst="rect">
+            <a:avLst/>
+          </a:prstGeom>
+        </p:spPr>
+        <p:txBody>
+          <a:bodyPr vert="horz" lIns="91440" tIns="45720" rIns="91440" bIns="45720" rtlCol="0"/>
+          <a:lstStyle>
+            <a:lvl1pPr algn="r">
+              <a:defRPr sz="1200"/>
+            </a:lvl1pPr>
+          </a:lstStyle>
+          <a:p>
+            <a:fld id="{DE2373F8-EA2E-495E-9FB0-FBD31822D23A}" type="datetimeFigureOut">
+              <a:rPr lang="ko-KR" altLang="en-US" smtClean="0"/>
+              <a:t>2024-12-17</a:t>
+            </a:fld>
+            <a:endParaRPr lang="ko-KR" altLang="en-US"/>
+          </a:p>
+        </p:txBody>
+      </p:sp>
+      <p:sp>
+        <p:nvSpPr>
+          <p:cNvPr id="4" name="슬라이드 이미지 개체 틀 3"/>
+          <p:cNvSpPr>
+            <a:spLocks noGrp="1" noRot="1" noChangeAspect="1"/>
+          </p:cNvSpPr>
+          <p:nvPr>
+            <p:ph type="sldImg" idx="2"/>
+          </p:nvPr>
+        </p:nvSpPr>
+        <p:spPr>
+          <a:xfrm>
+            <a:off x="685800" y="1143000"/>
+            <a:ext cx="5486400" cy="3086100"/>
+          </a:xfrm>
+          <a:prstGeom prst="rect">
+            <a:avLst/>
+          </a:prstGeom>
+          <a:noFill/>
+          <a:ln w="12700">
+            <a:solidFill>
+              <a:prstClr val="black"/>
+            </a:solidFill>
+          </a:ln>
+        </p:spPr>
+        <p:txBody>
+          <a:bodyPr vert="horz" lIns="91440" tIns="45720" rIns="91440" bIns="45720" rtlCol="0" anchor="ctr"/>
+          <a:lstStyle/>
+          <a:p>
+            <a:endParaRPr lang="ko-KR" altLang="en-US"/>
+          </a:p>
+        </p:txBody>
+      </p:sp>
+      <p:sp>
+        <p:nvSpPr>
+          <p:cNvPr id="5" name="슬라이드 노트 개체 틀 4"/>
+          <p:cNvSpPr>
+            <a:spLocks noGrp="1"/>
+          </p:cNvSpPr>
+          <p:nvPr>
+            <p:ph type="body" sz="quarter" idx="3"/>
+          </p:nvPr>
+        </p:nvSpPr>
+        <p:spPr>
+          <a:xfrm>
+            <a:off x="685800" y="4400550"/>
+            <a:ext cx="5486400" cy="3600450"/>
+          </a:xfrm>
+          <a:prstGeom prst="rect">
+            <a:avLst/>
+          </a:prstGeom>
+        </p:spPr>
+        <p:txBody>
+          <a:bodyPr vert="horz" lIns="91440" tIns="45720" rIns="91440" bIns="45720" rtlCol="0"/>
+          <a:lstStyle/>
+          <a:p>
+            <a:pPr lvl="0"/>
+            <a:r>
+              <a:rPr lang="ko-KR" altLang="en-US"/>
+              <a:t>마스터 텍스트 스타일을 편집하려면 클릭</a:t>
+            </a:r>
+          </a:p>
+          <a:p>
+            <a:pPr lvl="1"/>
+            <a:r>
+              <a:rPr lang="ko-KR" altLang="en-US"/>
+              <a:t>두 번째 수준</a:t>
+            </a:r>
+          </a:p>
+          <a:p>
+            <a:pPr lvl="2"/>
+            <a:r>
+              <a:rPr lang="ko-KR" altLang="en-US"/>
+              <a:t>세 번째 수준</a:t>
+            </a:r>
+          </a:p>
+          <a:p>
+            <a:pPr lvl="3"/>
+            <a:r>
+              <a:rPr lang="ko-KR" altLang="en-US"/>
+              <a:t>네 번째 수준</a:t>
+            </a:r>
+          </a:p>
+          <a:p>
+            <a:pPr lvl="4"/>
+            <a:r>
+              <a:rPr lang="ko-KR" altLang="en-US"/>
+              <a:t>다섯 번째 수준</a:t>
+            </a:r>
+          </a:p>
+        </p:txBody>
+      </p:sp>
+      <p:sp>
+        <p:nvSpPr>
+          <p:cNvPr id="6" name="바닥글 개체 틀 5"/>
+          <p:cNvSpPr>
+            <a:spLocks noGrp="1"/>
+          </p:cNvSpPr>
+          <p:nvPr>
+            <p:ph type="ftr" sz="quarter" idx="4"/>
+          </p:nvPr>
+        </p:nvSpPr>
+        <p:spPr>
+          <a:xfrm>
+            <a:off x="0" y="8685213"/>
+            <a:ext cx="2971800" cy="458787"/>
+          </a:xfrm>
+          <a:prstGeom prst="rect">
+            <a:avLst/>
+          </a:prstGeom>
+        </p:spPr>
+        <p:txBody>
+          <a:bodyPr vert="horz" lIns="91440" tIns="45720" rIns="91440" bIns="45720" rtlCol="0" anchor="b"/>
+          <a:lstStyle>
+            <a:lvl1pPr algn="l">
+              <a:defRPr sz="1200"/>
+            </a:lvl1pPr>
+          </a:lstStyle>
+          <a:p>
+            <a:endParaRPr lang="ko-KR" altLang="en-US"/>
+          </a:p>
+        </p:txBody>
+      </p:sp>
+      <p:sp>
+        <p:nvSpPr>
+          <p:cNvPr id="7" name="슬라이드 번호 개체 틀 6"/>
+          <p:cNvSpPr>
+            <a:spLocks noGrp="1"/>
+          </p:cNvSpPr>
+          <p:nvPr>
+            <p:ph type="sldNum" sz="quarter" idx="5"/>
+          </p:nvPr>
+        </p:nvSpPr>
+        <p:spPr>
+          <a:xfrm>
+            <a:off x="3884613" y="8685213"/>
+            <a:ext cx="2971800" cy="458787"/>
+          </a:xfrm>
+          <a:prstGeom prst="rect">
+            <a:avLst/>
+          </a:prstGeom>
+        </p:spPr>
+        <p:txBody>
+          <a:bodyPr vert="horz" lIns="91440" tIns="45720" rIns="91440" bIns="45720" rtlCol="0" anchor="b"/>
+          <a:lstStyle>
+            <a:lvl1pPr algn="r">
+              <a:defRPr sz="1200"/>
+            </a:lvl1pPr>
+          </a:lstStyle>
+          <a:p>
+            <a:fld id="{9B49EE9D-61AC-4770-B41E-817F0DC409D9}" type="slidenum">
+              <a:rPr lang="ko-KR" altLang="en-US" smtClean="0"/>
+              <a:t>‹#›</a:t>
+            </a:fld>
+            <a:endParaRPr lang="ko-KR" altLang="en-US"/>
+          </a:p>
+        </p:txBody>
+      </p:sp>
+    </p:spTree>
+    <p:extLst>
+      <p:ext uri="{BB962C8B-B14F-4D97-AF65-F5344CB8AC3E}">
+        <p14:creationId xmlns:p14="http://schemas.microsoft.com/office/powerpoint/2010/main" val="3607349335"/>
+      </p:ext>
+    </p:extLst>
+  </p:cSld>
+  <p:clrMap bg1="lt1" tx1="dk1" bg2="lt2" tx2="dk2" accent1="accent1" accent2="accent2" accent3="accent3" accent4="accent4" accent5="accent5" accent6="accent6" hlink="hlink" folHlink="folHlink"/>
+  <p:notesStyle>
+    <a:lvl1pPr marL="0" algn="l" defTabSz="914400" rtl="0" eaLnBrk="1" latinLnBrk="1" hangingPunct="1">
+      <a:defRPr sz="1200" kern="1200">
+        <a:solidFill>
+          <a:schemeClr val="tx1"/>
+        </a:solidFill>
+        <a:latin typeface="+mn-lt"/>
+        <a:ea typeface="+mn-ea"/>
+        <a:cs typeface="+mn-cs"/>
+      </a:defRPr>
+    </a:lvl1pPr>
+    <a:lvl2pPr marL="457200" algn="l" defTabSz="914400" rtl="0" eaLnBrk="1" latinLnBrk="1" hangingPunct="1">
+      <a:defRPr sz="1200" kern="1200">
+        <a:solidFill>
+          <a:schemeClr val="tx1"/>
+        </a:solidFill>
+        <a:latin typeface="+mn-lt"/>
+        <a:ea typeface="+mn-ea"/>
+        <a:cs typeface="+mn-cs"/>
+      </a:defRPr>
+    </a:lvl2pPr>
+    <a:lvl3pPr marL="914400" algn="l" defTabSz="914400" rtl="0" eaLnBrk="1" latinLnBrk="1" hangingPunct="1">
+      <a:defRPr sz="1200" kern="1200">
+        <a:solidFill>
+          <a:schemeClr val="tx1"/>
+        </a:solidFill>
+        <a:latin typeface="+mn-lt"/>
+        <a:ea typeface="+mn-ea"/>
+        <a:cs typeface="+mn-cs"/>
+      </a:defRPr>
+    </a:lvl3pPr>
+    <a:lvl4pPr marL="1371600" algn="l" defTabSz="914400" rtl="0" eaLnBrk="1" latinLnBrk="1" hangingPunct="1">
+      <a:defRPr sz="1200" kern="1200">
+        <a:solidFill>
+          <a:schemeClr val="tx1"/>
+        </a:solidFill>
+        <a:latin typeface="+mn-lt"/>
+        <a:ea typeface="+mn-ea"/>
+        <a:cs typeface="+mn-cs"/>
+      </a:defRPr>
+    </a:lvl4pPr>
+    <a:lvl5pPr marL="1828800" algn="l" defTabSz="914400" rtl="0" eaLnBrk="1" latinLnBrk="1" hangingPunct="1">
+      <a:defRPr sz="1200" kern="1200">
+        <a:solidFill>
+          <a:schemeClr val="tx1"/>
+        </a:solidFill>
+        <a:latin typeface="+mn-lt"/>
+        <a:ea typeface="+mn-ea"/>
+        <a:cs typeface="+mn-cs"/>
+      </a:defRPr>
+    </a:lvl5pPr>
+    <a:lvl6pPr marL="2286000" algn="l" defTabSz="914400" rtl="0" eaLnBrk="1" latinLnBrk="1" hangingPunct="1">
+      <a:defRPr sz="1200" kern="1200">
+        <a:solidFill>
+          <a:schemeClr val="tx1"/>
+        </a:solidFill>
+        <a:latin typeface="+mn-lt"/>
+        <a:ea typeface="+mn-ea"/>
+        <a:cs typeface="+mn-cs"/>
+      </a:defRPr>
+    </a:lvl6pPr>
+    <a:lvl7pPr marL="2743200" algn="l" defTabSz="914400" rtl="0" eaLnBrk="1" latinLnBrk="1" hangingPunct="1">
+      <a:defRPr sz="1200" kern="1200">
+        <a:solidFill>
+          <a:schemeClr val="tx1"/>
+        </a:solidFill>
+        <a:latin typeface="+mn-lt"/>
+        <a:ea typeface="+mn-ea"/>
+        <a:cs typeface="+mn-cs"/>
+      </a:defRPr>
+    </a:lvl7pPr>
+    <a:lvl8pPr marL="3200400" algn="l" defTabSz="914400" rtl="0" eaLnBrk="1" latinLnBrk="1" hangingPunct="1">
+      <a:defRPr sz="1200" kern="1200">
+        <a:solidFill>
+          <a:schemeClr val="tx1"/>
+        </a:solidFill>
+        <a:latin typeface="+mn-lt"/>
+        <a:ea typeface="+mn-ea"/>
+        <a:cs typeface="+mn-cs"/>
+      </a:defRPr>
+    </a:lvl8pPr>
+    <a:lvl9pPr marL="3657600" algn="l" defTabSz="914400" rtl="0" eaLnBrk="1" latinLnBrk="1" hangingPunct="1">
+      <a:defRPr sz="1200" kern="1200">
+        <a:solidFill>
+          <a:schemeClr val="tx1"/>
+        </a:solidFill>
+        <a:latin typeface="+mn-lt"/>
+        <a:ea typeface="+mn-ea"/>
+        <a:cs typeface="+mn-cs"/>
+      </a:defRPr>
+    </a:lvl9pPr>
+  </p:notesStyle>
+</p:notesMaster>
+</file>
+
+<file path=ppt/notesSlides/notesSlide1.xml><?xml version="1.0" encoding="utf-8"?>
+<p:notes xmlns:a="http://schemas.openxmlformats.org/drawingml/2006/main" xmlns:r="http://schemas.openxmlformats.org/officeDocument/2006/relationships" xmlns:p="http://schemas.openxmlformats.org/presentationml/2006/main">
+  <p:cSld>
+    <p:spTree>
+      <p:nvGrpSpPr>
+        <p:cNvPr id="1" name=""/>
+        <p:cNvGrpSpPr/>
+        <p:nvPr/>
+      </p:nvGrpSpPr>
+      <p:grpSpPr>
+        <a:xfrm>
+          <a:off x="0" y="0"/>
+          <a:ext cx="0" cy="0"/>
+          <a:chOff x="0" y="0"/>
+          <a:chExt cx="0" cy="0"/>
+        </a:xfrm>
+      </p:grpSpPr>
+      <p:sp>
+        <p:nvSpPr>
+          <p:cNvPr id="2" name="슬라이드 이미지 개체 틀 1"/>
+          <p:cNvSpPr>
+            <a:spLocks noGrp="1" noRot="1" noChangeAspect="1"/>
+          </p:cNvSpPr>
+          <p:nvPr>
+            <p:ph type="sldImg"/>
+          </p:nvPr>
+        </p:nvSpPr>
+        <p:spPr/>
+      </p:sp>
+      <p:sp>
+        <p:nvSpPr>
+          <p:cNvPr id="3" name="슬라이드 노트 개체 틀 2"/>
+          <p:cNvSpPr>
+            <a:spLocks noGrp="1"/>
+          </p:cNvSpPr>
+          <p:nvPr>
+            <p:ph type="body" idx="1"/>
+          </p:nvPr>
+        </p:nvSpPr>
+        <p:spPr/>
+        <p:txBody>
+          <a:bodyPr/>
+          <a:lstStyle/>
+          <a:p>
+            <a:endParaRPr lang="ko-KR" altLang="en-US" dirty="0"/>
+          </a:p>
+        </p:txBody>
+      </p:sp>
+      <p:sp>
+        <p:nvSpPr>
+          <p:cNvPr id="4" name="슬라이드 번호 개체 틀 3"/>
+          <p:cNvSpPr>
+            <a:spLocks noGrp="1"/>
+          </p:cNvSpPr>
+          <p:nvPr>
+            <p:ph type="sldNum" sz="quarter" idx="5"/>
+          </p:nvPr>
+        </p:nvSpPr>
+        <p:spPr/>
+        <p:txBody>
+          <a:bodyPr/>
+          <a:lstStyle/>
+          <a:p>
+            <a:fld id="{9B49EE9D-61AC-4770-B41E-817F0DC409D9}" type="slidenum">
+              <a:rPr lang="ko-KR" altLang="en-US" smtClean="0"/>
+              <a:t>1</a:t>
+            </a:fld>
+            <a:endParaRPr lang="ko-KR" altLang="en-US"/>
+          </a:p>
+        </p:txBody>
+      </p:sp>
+    </p:spTree>
+    <p:extLst>
+      <p:ext uri="{BB962C8B-B14F-4D97-AF65-F5344CB8AC3E}">
+        <p14:creationId xmlns:p14="http://schemas.microsoft.com/office/powerpoint/2010/main" val="3388743563"/>
+      </p:ext>
+    </p:extLst>
+  </p:cSld>
+  <p:clrMapOvr>
+    <a:masterClrMapping/>
+  </p:clrMapOvr>
+</p:notes>
 </file>
 
 <file path=ppt/slideLayouts/slideLayout1.xml><?xml version="1.0" encoding="utf-8"?>
@@ -4107,6 +4543,29 @@
                   <a:srgbClr val="FFFFFF"/>
                 </a:solidFill>
               </a:rPr>
+              <a:t>2021182033 </a:t>
+            </a:r>
+            <a:r>
+              <a:rPr lang="ko-KR" altLang="en-US" dirty="0">
+                <a:solidFill>
+                  <a:srgbClr val="FFFFFF"/>
+                </a:solidFill>
+              </a:rPr>
+              <a:t>임성훈</a:t>
+            </a:r>
+            <a:endParaRPr lang="en-US" altLang="ko-KR" dirty="0">
+              <a:solidFill>
+                <a:srgbClr val="FFFFFF"/>
+              </a:solidFill>
+            </a:endParaRPr>
+          </a:p>
+          <a:p>
+            <a:r>
+              <a:rPr lang="en-US" altLang="ko-KR" dirty="0">
+                <a:solidFill>
+                  <a:srgbClr val="FFFFFF"/>
+                </a:solidFill>
+              </a:rPr>
               <a:t>2021182040 </a:t>
             </a:r>
             <a:r>
@@ -4291,7 +4750,7 @@
           <p:nvPr/>
         </p:nvPicPr>
         <p:blipFill>
-          <a:blip r:embed="rId2">
+          <a:blip r:embed="rId3">
             <a:alphaModFix amt="40000"/>
           </a:blip>
           <a:srcRect t="5544" r="-1" b="9848"/>
@@ -4299,7 +4758,7 @@
         </p:blipFill>
         <p:spPr>
           <a:xfrm>
-            <a:off x="3068" y="0"/>
+            <a:off x="20" y="10"/>
             <a:ext cx="12188932" cy="6857990"/>
           </a:xfrm>
           <a:prstGeom prst="rect">
@@ -7323,4 +7782,319 @@
     </a:ext>
   </a:extLst>
 </a:theme>
+</file>
+
+<file path=ppt/theme/theme2.xml><?xml version="1.0" encoding="utf-8"?>
+<a:theme xmlns:a="http://schemas.openxmlformats.org/drawingml/2006/main" name="Office 테마">
+  <a:themeElements>
+    <a:clrScheme name="Office">
+      <a:dk1>
+        <a:sysClr val="windowText" lastClr="000000"/>
+      </a:dk1>
+      <a:lt1>
+        <a:sysClr val="window" lastClr="FFFFFF"/>
+      </a:lt1>
+      <a:dk2>
+        <a:srgbClr val="0E2841"/>
+      </a:dk2>
+      <a:lt2>
+        <a:srgbClr val="E8E8E8"/>
+      </a:lt2>
+      <a:accent1>
+        <a:srgbClr val="156082"/>
+      </a:accent1>
+      <a:accent2>
+        <a:srgbClr val="E97132"/>
+      </a:accent2>
+      <a:accent3>
+        <a:srgbClr val="196B24"/>
+      </a:accent3>
+      <a:accent4>
+        <a:srgbClr val="0F9ED5"/>
+      </a:accent4>
+      <a:accent5>
+        <a:srgbClr val="A02B93"/>
+      </a:accent5>
+      <a:accent6>
+        <a:srgbClr val="4EA72E"/>
+      </a:accent6>
+      <a:hlink>
+        <a:srgbClr val="467886"/>
+      </a:hlink>
+      <a:folHlink>
+        <a:srgbClr val="96607D"/>
+      </a:folHlink>
+    </a:clrScheme>
+    <a:fontScheme name="Office">
+      <a:majorFont>
+        <a:latin typeface="맑은 고딕" panose="02110004020202020204"/>
+        <a:ea typeface=""/>
+        <a:cs typeface=""/>
+        <a:font script="Jpan" typeface="游ゴシック Light"/>
+        <a:font script="Hang" typeface="맑은 고딕"/>
+        <a:font script="Hans" typeface="等线 Light"/>
+        <a:font script="Hant" typeface="新細明體"/>
+        <a:font script="Arab" typeface="Times New Roman"/>
+        <a:font script="Hebr" typeface="Times New Roman"/>
+        <a:font script="Thai" typeface="Angsana New"/>
+        <a:font script="Ethi" typeface="Nyala"/>
+        <a:font script="Beng" typeface="Vrinda"/>
+        <a:font script="Gujr" typeface="Shruti"/>
+        <a:font script="Khmr" typeface="MoolBoran"/>
+        <a:font script="Knda" typeface="Tunga"/>
+        <a:font script="Guru" typeface="Raavi"/>
+        <a:font script="Cans" typeface="Euphemia"/>
+        <a:font script="Cher" typeface="Plantagenet Cherokee"/>
+        <a:font script="Yiii" typeface="Microsoft Yi Baiti"/>
+        <a:font script="Tibt" typeface="Microsoft Himalaya"/>
+        <a:font script="Thaa" typeface="MV Boli"/>
+        <a:font script="Deva" typeface="Mangal"/>
+        <a:font script="Telu" typeface="Gautami"/>
+        <a:font script="Taml" typeface="Latha"/>
+        <a:font script="Syrc" typeface="Estrangelo Edessa"/>
+        <a:font script="Orya" typeface="Kalinga"/>
+        <a:font script="Mlym" typeface="Kartika"/>
+        <a:font script="Laoo" typeface="DokChampa"/>
+        <a:font script="Sinh" typeface="Iskoola Pota"/>
+        <a:font script="Mong" typeface="Mongolian Baiti"/>
+        <a:font script="Viet" typeface="Times New Roman"/>
+        <a:font script="Uigh" typeface="Microsoft Uighur"/>
+        <a:font script="Geor" typeface="Sylfaen"/>
+        <a:font script="Armn" typeface="Arial"/>
+        <a:font script="Bugi" typeface="Leelawadee UI"/>
+        <a:font script="Bopo" typeface="Microsoft JhengHei"/>
+        <a:font script="Java" typeface="Javanese Text"/>
+        <a:font script="Lisu" typeface="Segoe UI"/>
+        <a:font script="Mymr" typeface="Myanmar Text"/>
+        <a:font script="Nkoo" typeface="Ebrima"/>
+        <a:font script="Olck" typeface="Nirmala UI"/>
+        <a:font script="Osma" typeface="Ebrima"/>
+        <a:font script="Phag" typeface="Phagspa"/>
+        <a:font script="Syrn" typeface="Estrangelo Edessa"/>
+        <a:font script="Syrj" typeface="Estrangelo Edessa"/>
+        <a:font script="Syre" typeface="Estrangelo Edessa"/>
+        <a:font script="Sora" typeface="Nirmala UI"/>
+        <a:font script="Tale" typeface="Microsoft Tai Le"/>
+        <a:font script="Talu" typeface="Microsoft New Tai Lue"/>
+        <a:font script="Tfng" typeface="Ebrima"/>
+      </a:majorFont>
+      <a:minorFont>
+        <a:latin typeface="맑은 고딕" panose="02110004020202020204"/>
+        <a:ea typeface=""/>
+        <a:cs typeface=""/>
+        <a:font script="Jpan" typeface="游ゴシック"/>
+        <a:font script="Hang" typeface="맑은 고딕"/>
+        <a:font script="Hans" typeface="等线"/>
+        <a:font script="Hant" typeface="新細明體"/>
+        <a:font script="Arab" typeface="Arial"/>
+        <a:font script="Hebr" typeface="Arial"/>
+        <a:font script="Thai" typeface="Cordia New"/>
+        <a:font script="Ethi" typeface="Nyala"/>
+        <a:font script="Beng" typeface="Vrinda"/>
+        <a:font script="Gujr" typeface="Shruti"/>
+        <a:font script="Khmr" typeface="DaunPenh"/>
+        <a:font script="Knda" typeface="Tunga"/>
+        <a:font script="Guru" typeface="Raavi"/>
+        <a:font script="Cans" typeface="Euphemia"/>
+        <a:font script="Cher" typeface="Plantagenet Cherokee"/>
+        <a:font script="Yiii" typeface="Microsoft Yi Baiti"/>
+        <a:font script="Tibt" typeface="Microsoft Himalaya"/>
+        <a:font script="Thaa" typeface="MV Boli"/>
+        <a:font script="Deva" typeface="Mangal"/>
+        <a:font script="Telu" typeface="Gautami"/>
+        <a:font script="Taml" typeface="Latha"/>
+        <a:font script="Syrc" typeface="Estrangelo Edessa"/>
+        <a:font script="Orya" typeface="Kalinga"/>
+        <a:font script="Mlym" typeface="Kartika"/>
+        <a:font script="Laoo" typeface="DokChampa"/>
+        <a:font script="Sinh" typeface="Iskoola Pota"/>
+        <a:font script="Mong" typeface="Mongolian Baiti"/>
+        <a:font script="Viet" typeface="Arial"/>
+        <a:font script="Uigh" typeface="Microsoft Uighur"/>
+        <a:font script="Geor" typeface="Sylfaen"/>
+        <a:font script="Armn" typeface="Arial"/>
+        <a:font script="Bugi" typeface="Leelawadee UI"/>
+        <a:font script="Bopo" typeface="Microsoft JhengHei"/>
+        <a:font script="Java" typeface="Javanese Text"/>
+        <a:font script="Lisu" typeface="Segoe UI"/>
+        <a:font script="Mymr" typeface="Myanmar Text"/>
+        <a:font script="Nkoo" typeface="Ebrima"/>
+        <a:font script="Olck" typeface="Nirmala UI"/>
+        <a:font script="Osma" typeface="Ebrima"/>
+        <a:font script="Phag" typeface="Phagspa"/>
+        <a:font script="Syrn" typeface="Estrangelo Edessa"/>
+        <a:font script="Syrj" typeface="Estrangelo Edessa"/>
+        <a:font script="Syre" typeface="Estrangelo Edessa"/>
+        <a:font script="Sora" typeface="Nirmala UI"/>
+        <a:font script="Tale" typeface="Microsoft Tai Le"/>
+        <a:font script="Talu" typeface="Microsoft New Tai Lue"/>
+        <a:font script="Tfng" typeface="Ebrima"/>
+      </a:minorFont>
+    </a:fontScheme>
+    <a:fmtScheme name="Office">
+      <a:fillStyleLst>
+        <a:solidFill>
+          <a:schemeClr val="phClr"/>
+        </a:solidFill>
+        <a:gradFill rotWithShape="1">
+          <a:gsLst>
+            <a:gs pos="0">
+              <a:schemeClr val="phClr">
+                <a:lumMod val="110000"/>
+                <a:satMod val="105000"/>
+                <a:tint val="67000"/>
+              </a:schemeClr>
+            </a:gs>
+            <a:gs pos="50000">
+              <a:schemeClr val="phClr">
+                <a:lumMod val="105000"/>
+                <a:satMod val="103000"/>
+                <a:tint val="73000"/>
+              </a:schemeClr>
+            </a:gs>
+            <a:gs pos="100000">
+              <a:schemeClr val="phClr">
+                <a:lumMod val="105000"/>
+                <a:satMod val="109000"/>
+                <a:tint val="81000"/>
+              </a:schemeClr>
+            </a:gs>
+          </a:gsLst>
+          <a:lin ang="5400000" scaled="0"/>
+        </a:gradFill>
+        <a:gradFill rotWithShape="1">
+          <a:gsLst>
+            <a:gs pos="0">
+              <a:schemeClr val="phClr">
+                <a:satMod val="103000"/>
+                <a:lumMod val="102000"/>
+                <a:tint val="94000"/>
+              </a:schemeClr>
+            </a:gs>
+            <a:gs pos="50000">
+              <a:schemeClr val="phClr">
+                <a:satMod val="110000"/>
+                <a:lumMod val="100000"/>
+                <a:shade val="100000"/>
+              </a:schemeClr>
+            </a:gs>
+            <a:gs pos="100000">
+              <a:schemeClr val="phClr">
+                <a:lumMod val="99000"/>
+                <a:satMod val="120000"/>
+                <a:shade val="78000"/>
+              </a:schemeClr>
+            </a:gs>
+          </a:gsLst>
+          <a:lin ang="5400000" scaled="0"/>
+        </a:gradFill>
+      </a:fillStyleLst>
+      <a:lnStyleLst>
+        <a:ln w="12700" cap="flat" cmpd="sng" algn="ctr">
+          <a:solidFill>
+            <a:schemeClr val="phClr"/>
+          </a:solidFill>
+          <a:prstDash val="solid"/>
+          <a:miter lim="800000"/>
+        </a:ln>
+        <a:ln w="19050" cap="flat" cmpd="sng" algn="ctr">
+          <a:solidFill>
+            <a:schemeClr val="phClr"/>
+          </a:solidFill>
+          <a:prstDash val="solid"/>
+          <a:miter lim="800000"/>
+        </a:ln>
+        <a:ln w="25400" cap="flat" cmpd="sng" algn="ctr">
+          <a:solidFill>
+            <a:schemeClr val="phClr"/>
+          </a:solidFill>
+          <a:prstDash val="solid"/>
+          <a:miter lim="800000"/>
+        </a:ln>
+      </a:lnStyleLst>
+      <a:effectStyleLst>
+        <a:effectStyle>
+          <a:effectLst/>
+        </a:effectStyle>
+        <a:effectStyle>
+          <a:effectLst/>
+        </a:effectStyle>
+        <a:effectStyle>
+          <a:effectLst>
+            <a:outerShdw blurRad="57150" dist="19050" dir="5400000" algn="ctr" rotWithShape="0">
+              <a:srgbClr val="000000">
+                <a:alpha val="63000"/>
+              </a:srgbClr>
+            </a:outerShdw>
+          </a:effectLst>
+        </a:effectStyle>
+      </a:effectStyleLst>
+      <a:bgFillStyleLst>
+        <a:solidFill>
+          <a:schemeClr val="phClr"/>
+        </a:solidFill>
+        <a:solidFill>
+          <a:schemeClr val="phClr">
+            <a:tint val="95000"/>
+            <a:satMod val="170000"/>
+          </a:schemeClr>
+        </a:solidFill>
+        <a:gradFill rotWithShape="1">
+          <a:gsLst>
+            <a:gs pos="0">
+              <a:schemeClr val="phClr">
+                <a:tint val="93000"/>
+                <a:satMod val="150000"/>
+                <a:shade val="98000"/>
+                <a:lumMod val="102000"/>
+              </a:schemeClr>
+            </a:gs>
+            <a:gs pos="50000">
+              <a:schemeClr val="phClr">
+                <a:tint val="98000"/>
+                <a:satMod val="130000"/>
+                <a:shade val="90000"/>
+                <a:lumMod val="103000"/>
+              </a:schemeClr>
+            </a:gs>
+            <a:gs pos="100000">
+              <a:schemeClr val="phClr">
+                <a:shade val="63000"/>
+                <a:satMod val="120000"/>
+              </a:schemeClr>
+            </a:gs>
+          </a:gsLst>
+          <a:lin ang="5400000" scaled="0"/>
+        </a:gradFill>
+      </a:bgFillStyleLst>
+    </a:fmtScheme>
+  </a:themeElements>
+  <a:objectDefaults>
+    <a:lnDef>
+      <a:spPr/>
+      <a:bodyPr/>
+      <a:lstStyle/>
+      <a:style>
+        <a:lnRef idx="2">
+          <a:schemeClr val="accent1"/>
+        </a:lnRef>
+        <a:fillRef idx="0">
+          <a:schemeClr val="accent1"/>
+        </a:fillRef>
+        <a:effectRef idx="1">
+          <a:schemeClr val="accent1"/>
+        </a:effectRef>
+        <a:fontRef idx="minor">
+          <a:schemeClr val="tx1"/>
+        </a:fontRef>
+      </a:style>
+    </a:lnDef>
+  </a:objectDefaults>
+  <a:extraClrSchemeLst/>
+  <a:extLst>
+    <a:ext uri="{05A4C25C-085E-4340-85A3-A5531E510DB2}">
+      <thm15:themeFamily xmlns:thm15="http://schemas.microsoft.com/office/thememl/2012/main" name="Office Theme" id="{2E142A2C-CD16-42D6-873A-C26D2A0506FA}" vid="{1BDDFF52-6CD6-40A5-AB3C-68EB2F1E4D0A}"/>
+    </a:ext>
+  </a:extLst>
+</a:theme>
 </file>